--- a/assets/Screen_UI.pptx
+++ b/assets/Screen_UI.pptx
@@ -5,10 +5,11 @@
     <p:sldMasterId id="2147483648" r:id="rId1"/>
   </p:sldMasterIdLst>
   <p:notesMasterIdLst>
-    <p:notesMasterId r:id="rId3"/>
+    <p:notesMasterId r:id="rId4"/>
   </p:notesMasterIdLst>
   <p:sldIdLst>
     <p:sldId id="256" r:id="rId2"/>
+    <p:sldId id="257" r:id="rId3"/>
   </p:sldIdLst>
   <p:sldSz cx="12192000" cy="6858000"/>
   <p:notesSz cx="6858000" cy="9144000"/>
@@ -7379,6 +7380,941 @@
 </p:sld>
 </file>
 
+<file path=ppt/slides/slide2.xml><?xml version="1.0" encoding="utf-8"?>
+<p:sld xmlns:a="http://schemas.openxmlformats.org/drawingml/2006/main" xmlns:r="http://schemas.openxmlformats.org/officeDocument/2006/relationships" xmlns:p="http://schemas.openxmlformats.org/presentationml/2006/main">
+  <p:cSld>
+    <p:spTree>
+      <p:nvGrpSpPr>
+        <p:cNvPr id="1" name=""/>
+        <p:cNvGrpSpPr/>
+        <p:nvPr/>
+      </p:nvGrpSpPr>
+      <p:grpSpPr>
+        <a:xfrm>
+          <a:off x="0" y="0"/>
+          <a:ext cx="0" cy="0"/>
+          <a:chOff x="0" y="0"/>
+          <a:chExt cx="0" cy="0"/>
+        </a:xfrm>
+      </p:grpSpPr>
+      <p:pic>
+        <p:nvPicPr>
+          <p:cNvPr id="5" name="图片 4">
+            <a:extLst>
+              <a:ext uri="{FF2B5EF4-FFF2-40B4-BE49-F238E27FC236}">
+                <a16:creationId xmlns:a16="http://schemas.microsoft.com/office/drawing/2014/main" id="{F4706F5B-9050-EF5F-3671-E3E6B7C86871}"/>
+              </a:ext>
+            </a:extLst>
+          </p:cNvPr>
+          <p:cNvPicPr>
+            <a:picLocks noChangeAspect="1"/>
+          </p:cNvPicPr>
+          <p:nvPr/>
+        </p:nvPicPr>
+        <p:blipFill>
+          <a:blip r:embed="rId2"/>
+          <a:stretch>
+            <a:fillRect/>
+          </a:stretch>
+        </p:blipFill>
+        <p:spPr>
+          <a:xfrm>
+            <a:off x="929028" y="429000"/>
+            <a:ext cx="1828571" cy="6000000"/>
+          </a:xfrm>
+          <a:prstGeom prst="rect">
+            <a:avLst/>
+          </a:prstGeom>
+        </p:spPr>
+      </p:pic>
+      <p:sp>
+        <p:nvSpPr>
+          <p:cNvPr id="6" name="矩形: 圆角 5">
+            <a:extLst>
+              <a:ext uri="{FF2B5EF4-FFF2-40B4-BE49-F238E27FC236}">
+                <a16:creationId xmlns:a16="http://schemas.microsoft.com/office/drawing/2014/main" id="{AEDBB022-583A-CD7B-F520-73053B12557C}"/>
+              </a:ext>
+            </a:extLst>
+          </p:cNvPr>
+          <p:cNvSpPr/>
+          <p:nvPr/>
+        </p:nvSpPr>
+        <p:spPr>
+          <a:xfrm>
+            <a:off x="3543300" y="2197100"/>
+            <a:ext cx="596900" cy="203200"/>
+          </a:xfrm>
+          <a:prstGeom prst="roundRect">
+            <a:avLst/>
+          </a:prstGeom>
+          <a:noFill/>
+          <a:ln>
+            <a:solidFill>
+              <a:schemeClr val="tx1"/>
+            </a:solidFill>
+          </a:ln>
+        </p:spPr>
+        <p:style>
+          <a:lnRef idx="2">
+            <a:schemeClr val="accent1">
+              <a:shade val="15000"/>
+            </a:schemeClr>
+          </a:lnRef>
+          <a:fillRef idx="1">
+            <a:schemeClr val="accent1"/>
+          </a:fillRef>
+          <a:effectRef idx="0">
+            <a:schemeClr val="accent1"/>
+          </a:effectRef>
+          <a:fontRef idx="minor">
+            <a:schemeClr val="lt1"/>
+          </a:fontRef>
+        </p:style>
+        <p:txBody>
+          <a:bodyPr rtlCol="0" anchor="ctr"/>
+          <a:lstStyle/>
+          <a:p>
+            <a:pPr algn="ctr"/>
+            <a:endParaRPr lang="zh-CN" altLang="en-US"/>
+          </a:p>
+        </p:txBody>
+      </p:sp>
+      <p:sp>
+        <p:nvSpPr>
+          <p:cNvPr id="7" name="文本框 6">
+            <a:extLst>
+              <a:ext uri="{FF2B5EF4-FFF2-40B4-BE49-F238E27FC236}">
+                <a16:creationId xmlns:a16="http://schemas.microsoft.com/office/drawing/2014/main" id="{CB7D550A-9643-48F9-3C29-9FE7F9564618}"/>
+              </a:ext>
+            </a:extLst>
+          </p:cNvPr>
+          <p:cNvSpPr txBox="1"/>
+          <p:nvPr/>
+        </p:nvSpPr>
+        <p:spPr>
+          <a:xfrm>
+            <a:off x="3596640" y="2160200"/>
+            <a:ext cx="596900" cy="276999"/>
+          </a:xfrm>
+          <a:prstGeom prst="rect">
+            <a:avLst/>
+          </a:prstGeom>
+          <a:noFill/>
+        </p:spPr>
+        <p:txBody>
+          <a:bodyPr wrap="square" rtlCol="0">
+            <a:spAutoFit/>
+          </a:bodyPr>
+          <a:lstStyle/>
+          <a:p>
+            <a:r>
+              <a:rPr lang="zh-CN" altLang="en-US" sz="1200" b="1">
+                <a:latin typeface="仿宋" panose="02010609060101010101" pitchFamily="49" charset="-122"/>
+                <a:ea typeface="仿宋" panose="02010609060101010101" pitchFamily="49" charset="-122"/>
+              </a:rPr>
+              <a:t>开始</a:t>
+            </a:r>
+          </a:p>
+        </p:txBody>
+      </p:sp>
+      <p:cxnSp>
+        <p:nvCxnSpPr>
+          <p:cNvPr id="9" name="直接箭头连接符 8">
+            <a:extLst>
+              <a:ext uri="{FF2B5EF4-FFF2-40B4-BE49-F238E27FC236}">
+                <a16:creationId xmlns:a16="http://schemas.microsoft.com/office/drawing/2014/main" id="{2864416C-A2AA-8917-4836-9BF4C45BE7FC}"/>
+              </a:ext>
+            </a:extLst>
+          </p:cNvPr>
+          <p:cNvCxnSpPr>
+            <a:cxnSpLocks/>
+          </p:cNvCxnSpPr>
+          <p:nvPr/>
+        </p:nvCxnSpPr>
+        <p:spPr>
+          <a:xfrm>
+            <a:off x="4140200" y="2301239"/>
+            <a:ext cx="273050" cy="0"/>
+          </a:xfrm>
+          <a:prstGeom prst="straightConnector1">
+            <a:avLst/>
+          </a:prstGeom>
+          <a:ln>
+            <a:solidFill>
+              <a:schemeClr val="tx1"/>
+            </a:solidFill>
+            <a:tailEnd type="triangle"/>
+          </a:ln>
+        </p:spPr>
+        <p:style>
+          <a:lnRef idx="2">
+            <a:schemeClr val="accent1"/>
+          </a:lnRef>
+          <a:fillRef idx="0">
+            <a:schemeClr val="accent1"/>
+          </a:fillRef>
+          <a:effectRef idx="1">
+            <a:schemeClr val="accent1"/>
+          </a:effectRef>
+          <a:fontRef idx="minor">
+            <a:schemeClr val="tx1"/>
+          </a:fontRef>
+        </p:style>
+      </p:cxnSp>
+      <p:sp>
+        <p:nvSpPr>
+          <p:cNvPr id="12" name="矩形 11">
+            <a:extLst>
+              <a:ext uri="{FF2B5EF4-FFF2-40B4-BE49-F238E27FC236}">
+                <a16:creationId xmlns:a16="http://schemas.microsoft.com/office/drawing/2014/main" id="{9D61B227-F981-C256-6830-D2B12F924DCC}"/>
+              </a:ext>
+            </a:extLst>
+          </p:cNvPr>
+          <p:cNvSpPr/>
+          <p:nvPr/>
+        </p:nvSpPr>
+        <p:spPr>
+          <a:xfrm>
+            <a:off x="4413250" y="2108498"/>
+            <a:ext cx="707391" cy="385481"/>
+          </a:xfrm>
+          <a:prstGeom prst="rect">
+            <a:avLst/>
+          </a:prstGeom>
+          <a:solidFill>
+            <a:schemeClr val="bg1"/>
+          </a:solidFill>
+        </p:spPr>
+        <p:style>
+          <a:lnRef idx="2">
+            <a:schemeClr val="accent1">
+              <a:shade val="15000"/>
+            </a:schemeClr>
+          </a:lnRef>
+          <a:fillRef idx="1">
+            <a:schemeClr val="accent1"/>
+          </a:fillRef>
+          <a:effectRef idx="0">
+            <a:schemeClr val="accent1"/>
+          </a:effectRef>
+          <a:fontRef idx="minor">
+            <a:schemeClr val="lt1"/>
+          </a:fontRef>
+        </p:style>
+        <p:txBody>
+          <a:bodyPr rtlCol="0" anchor="ctr"/>
+          <a:lstStyle/>
+          <a:p>
+            <a:pPr algn="ctr"/>
+            <a:r>
+              <a:rPr lang="zh-CN" altLang="en-US" sz="1200" b="1">
+                <a:solidFill>
+                  <a:schemeClr val="tx1"/>
+                </a:solidFill>
+                <a:latin typeface="仿宋" panose="02010609060101010101" pitchFamily="49" charset="-122"/>
+                <a:ea typeface="仿宋" panose="02010609060101010101" pitchFamily="49" charset="-122"/>
+              </a:rPr>
+              <a:t>初始化配置</a:t>
+            </a:r>
+          </a:p>
+        </p:txBody>
+      </p:sp>
+      <p:cxnSp>
+        <p:nvCxnSpPr>
+          <p:cNvPr id="13" name="直接箭头连接符 12">
+            <a:extLst>
+              <a:ext uri="{FF2B5EF4-FFF2-40B4-BE49-F238E27FC236}">
+                <a16:creationId xmlns:a16="http://schemas.microsoft.com/office/drawing/2014/main" id="{FE0B287F-2AF3-E9D5-DF46-330520DB1349}"/>
+              </a:ext>
+            </a:extLst>
+          </p:cNvPr>
+          <p:cNvCxnSpPr>
+            <a:cxnSpLocks/>
+          </p:cNvCxnSpPr>
+          <p:nvPr/>
+        </p:nvCxnSpPr>
+        <p:spPr>
+          <a:xfrm>
+            <a:off x="5120641" y="2301239"/>
+            <a:ext cx="273050" cy="0"/>
+          </a:xfrm>
+          <a:prstGeom prst="straightConnector1">
+            <a:avLst/>
+          </a:prstGeom>
+          <a:ln>
+            <a:solidFill>
+              <a:schemeClr val="tx1"/>
+            </a:solidFill>
+            <a:tailEnd type="triangle"/>
+          </a:ln>
+        </p:spPr>
+        <p:style>
+          <a:lnRef idx="2">
+            <a:schemeClr val="accent1"/>
+          </a:lnRef>
+          <a:fillRef idx="0">
+            <a:schemeClr val="accent1"/>
+          </a:fillRef>
+          <a:effectRef idx="1">
+            <a:schemeClr val="accent1"/>
+          </a:effectRef>
+          <a:fontRef idx="minor">
+            <a:schemeClr val="tx1"/>
+          </a:fontRef>
+        </p:style>
+      </p:cxnSp>
+      <p:sp>
+        <p:nvSpPr>
+          <p:cNvPr id="14" name="平行四边形 13">
+            <a:extLst>
+              <a:ext uri="{FF2B5EF4-FFF2-40B4-BE49-F238E27FC236}">
+                <a16:creationId xmlns:a16="http://schemas.microsoft.com/office/drawing/2014/main" id="{EE579D2F-4449-F4D3-0C6C-F9CDEEEAB875}"/>
+              </a:ext>
+            </a:extLst>
+          </p:cNvPr>
+          <p:cNvSpPr/>
+          <p:nvPr/>
+        </p:nvSpPr>
+        <p:spPr>
+          <a:xfrm>
+            <a:off x="5340351" y="2108498"/>
+            <a:ext cx="792480" cy="385481"/>
+          </a:xfrm>
+          <a:prstGeom prst="parallelogram">
+            <a:avLst/>
+          </a:prstGeom>
+          <a:solidFill>
+            <a:schemeClr val="bg1"/>
+          </a:solidFill>
+        </p:spPr>
+        <p:style>
+          <a:lnRef idx="2">
+            <a:schemeClr val="accent1">
+              <a:shade val="15000"/>
+            </a:schemeClr>
+          </a:lnRef>
+          <a:fillRef idx="1">
+            <a:schemeClr val="accent1"/>
+          </a:fillRef>
+          <a:effectRef idx="0">
+            <a:schemeClr val="accent1"/>
+          </a:effectRef>
+          <a:fontRef idx="minor">
+            <a:schemeClr val="lt1"/>
+          </a:fontRef>
+        </p:style>
+        <p:txBody>
+          <a:bodyPr rtlCol="0" anchor="ctr"/>
+          <a:lstStyle/>
+          <a:p>
+            <a:pPr algn="ctr"/>
+            <a:r>
+              <a:rPr lang="zh-CN" altLang="en-US" sz="1200" b="1">
+                <a:solidFill>
+                  <a:schemeClr val="tx1"/>
+                </a:solidFill>
+                <a:latin typeface="仿宋" panose="02010609060101010101" pitchFamily="49" charset="-122"/>
+                <a:ea typeface="仿宋" panose="02010609060101010101" pitchFamily="49" charset="-122"/>
+              </a:rPr>
+              <a:t>选择波形</a:t>
+            </a:r>
+          </a:p>
+        </p:txBody>
+      </p:sp>
+      <p:cxnSp>
+        <p:nvCxnSpPr>
+          <p:cNvPr id="15" name="直接箭头连接符 14">
+            <a:extLst>
+              <a:ext uri="{FF2B5EF4-FFF2-40B4-BE49-F238E27FC236}">
+                <a16:creationId xmlns:a16="http://schemas.microsoft.com/office/drawing/2014/main" id="{D1E4B734-7165-10A6-FAE2-B5E031A35855}"/>
+              </a:ext>
+            </a:extLst>
+          </p:cNvPr>
+          <p:cNvCxnSpPr>
+            <a:cxnSpLocks/>
+          </p:cNvCxnSpPr>
+          <p:nvPr/>
+        </p:nvCxnSpPr>
+        <p:spPr>
+          <a:xfrm>
+            <a:off x="6094301" y="2301239"/>
+            <a:ext cx="273050" cy="0"/>
+          </a:xfrm>
+          <a:prstGeom prst="straightConnector1">
+            <a:avLst/>
+          </a:prstGeom>
+          <a:ln>
+            <a:solidFill>
+              <a:schemeClr val="tx1"/>
+            </a:solidFill>
+            <a:tailEnd type="triangle"/>
+          </a:ln>
+        </p:spPr>
+        <p:style>
+          <a:lnRef idx="2">
+            <a:schemeClr val="accent1"/>
+          </a:lnRef>
+          <a:fillRef idx="0">
+            <a:schemeClr val="accent1"/>
+          </a:fillRef>
+          <a:effectRef idx="1">
+            <a:schemeClr val="accent1"/>
+          </a:effectRef>
+          <a:fontRef idx="minor">
+            <a:schemeClr val="tx1"/>
+          </a:fontRef>
+        </p:style>
+      </p:cxnSp>
+      <p:sp>
+        <p:nvSpPr>
+          <p:cNvPr id="16" name="矩形 15">
+            <a:extLst>
+              <a:ext uri="{FF2B5EF4-FFF2-40B4-BE49-F238E27FC236}">
+                <a16:creationId xmlns:a16="http://schemas.microsoft.com/office/drawing/2014/main" id="{34C58C4C-F4E7-71AA-5CD2-7C6C3F423384}"/>
+              </a:ext>
+            </a:extLst>
+          </p:cNvPr>
+          <p:cNvSpPr/>
+          <p:nvPr/>
+        </p:nvSpPr>
+        <p:spPr>
+          <a:xfrm>
+            <a:off x="6367351" y="2108498"/>
+            <a:ext cx="707391" cy="385481"/>
+          </a:xfrm>
+          <a:prstGeom prst="rect">
+            <a:avLst/>
+          </a:prstGeom>
+          <a:solidFill>
+            <a:schemeClr val="bg1"/>
+          </a:solidFill>
+        </p:spPr>
+        <p:style>
+          <a:lnRef idx="2">
+            <a:schemeClr val="accent1">
+              <a:shade val="15000"/>
+            </a:schemeClr>
+          </a:lnRef>
+          <a:fillRef idx="1">
+            <a:schemeClr val="accent1"/>
+          </a:fillRef>
+          <a:effectRef idx="0">
+            <a:schemeClr val="accent1"/>
+          </a:effectRef>
+          <a:fontRef idx="minor">
+            <a:schemeClr val="lt1"/>
+          </a:fontRef>
+        </p:style>
+        <p:txBody>
+          <a:bodyPr rtlCol="0" anchor="ctr"/>
+          <a:lstStyle/>
+          <a:p>
+            <a:pPr algn="ctr"/>
+            <a:r>
+              <a:rPr lang="zh-CN" altLang="en-US" sz="1200" b="1">
+                <a:solidFill>
+                  <a:schemeClr val="tx1"/>
+                </a:solidFill>
+                <a:latin typeface="仿宋" panose="02010609060101010101" pitchFamily="49" charset="-122"/>
+                <a:ea typeface="仿宋" panose="02010609060101010101" pitchFamily="49" charset="-122"/>
+              </a:rPr>
+              <a:t>控制失真类型</a:t>
+            </a:r>
+            <a:endParaRPr lang="en-US" altLang="zh-CN" sz="1200" b="1">
+              <a:solidFill>
+                <a:schemeClr val="tx1"/>
+              </a:solidFill>
+              <a:latin typeface="仿宋" panose="02010609060101010101" pitchFamily="49" charset="-122"/>
+              <a:ea typeface="仿宋" panose="02010609060101010101" pitchFamily="49" charset="-122"/>
+            </a:endParaRPr>
+          </a:p>
+        </p:txBody>
+      </p:sp>
+      <p:sp>
+        <p:nvSpPr>
+          <p:cNvPr id="17" name="平行四边形 16">
+            <a:extLst>
+              <a:ext uri="{FF2B5EF4-FFF2-40B4-BE49-F238E27FC236}">
+                <a16:creationId xmlns:a16="http://schemas.microsoft.com/office/drawing/2014/main" id="{3B2DE79B-0022-ADD0-0712-C5F1759C0A1B}"/>
+              </a:ext>
+            </a:extLst>
+          </p:cNvPr>
+          <p:cNvSpPr/>
+          <p:nvPr/>
+        </p:nvSpPr>
+        <p:spPr>
+          <a:xfrm>
+            <a:off x="7301420" y="2160200"/>
+            <a:ext cx="966280" cy="294339"/>
+          </a:xfrm>
+          <a:prstGeom prst="parallelogram">
+            <a:avLst/>
+          </a:prstGeom>
+          <a:solidFill>
+            <a:schemeClr val="bg1"/>
+          </a:solidFill>
+        </p:spPr>
+        <p:style>
+          <a:lnRef idx="2">
+            <a:schemeClr val="accent1">
+              <a:shade val="15000"/>
+            </a:schemeClr>
+          </a:lnRef>
+          <a:fillRef idx="1">
+            <a:schemeClr val="accent1"/>
+          </a:fillRef>
+          <a:effectRef idx="0">
+            <a:schemeClr val="accent1"/>
+          </a:effectRef>
+          <a:fontRef idx="minor">
+            <a:schemeClr val="lt1"/>
+          </a:fontRef>
+        </p:style>
+        <p:txBody>
+          <a:bodyPr rtlCol="0" anchor="ctr"/>
+          <a:lstStyle/>
+          <a:p>
+            <a:pPr algn="ctr"/>
+            <a:r>
+              <a:rPr lang="en-US" altLang="zh-CN" sz="1200" b="1">
+                <a:solidFill>
+                  <a:schemeClr val="tx1"/>
+                </a:solidFill>
+                <a:latin typeface="仿宋" panose="02010609060101010101" pitchFamily="49" charset="-122"/>
+                <a:ea typeface="仿宋" panose="02010609060101010101" pitchFamily="49" charset="-122"/>
+              </a:rPr>
+              <a:t>ADC</a:t>
+            </a:r>
+            <a:r>
+              <a:rPr lang="zh-CN" altLang="en-US" sz="1200" b="1">
+                <a:solidFill>
+                  <a:schemeClr val="tx1"/>
+                </a:solidFill>
+                <a:latin typeface="仿宋" panose="02010609060101010101" pitchFamily="49" charset="-122"/>
+                <a:ea typeface="仿宋" panose="02010609060101010101" pitchFamily="49" charset="-122"/>
+              </a:rPr>
+              <a:t>采样</a:t>
+            </a:r>
+          </a:p>
+        </p:txBody>
+      </p:sp>
+      <p:cxnSp>
+        <p:nvCxnSpPr>
+          <p:cNvPr id="18" name="直接箭头连接符 17">
+            <a:extLst>
+              <a:ext uri="{FF2B5EF4-FFF2-40B4-BE49-F238E27FC236}">
+                <a16:creationId xmlns:a16="http://schemas.microsoft.com/office/drawing/2014/main" id="{55AC824E-297C-FB3C-BF67-CF26D42DEEF8}"/>
+              </a:ext>
+            </a:extLst>
+          </p:cNvPr>
+          <p:cNvCxnSpPr>
+            <a:cxnSpLocks/>
+          </p:cNvCxnSpPr>
+          <p:nvPr/>
+        </p:nvCxnSpPr>
+        <p:spPr>
+          <a:xfrm>
+            <a:off x="7074742" y="2298698"/>
+            <a:ext cx="273050" cy="0"/>
+          </a:xfrm>
+          <a:prstGeom prst="straightConnector1">
+            <a:avLst/>
+          </a:prstGeom>
+          <a:ln>
+            <a:solidFill>
+              <a:schemeClr val="tx1"/>
+            </a:solidFill>
+            <a:tailEnd type="triangle"/>
+          </a:ln>
+        </p:spPr>
+        <p:style>
+          <a:lnRef idx="2">
+            <a:schemeClr val="accent1"/>
+          </a:lnRef>
+          <a:fillRef idx="0">
+            <a:schemeClr val="accent1"/>
+          </a:fillRef>
+          <a:effectRef idx="1">
+            <a:schemeClr val="accent1"/>
+          </a:effectRef>
+          <a:fontRef idx="minor">
+            <a:schemeClr val="tx1"/>
+          </a:fontRef>
+        </p:style>
+      </p:cxnSp>
+      <p:cxnSp>
+        <p:nvCxnSpPr>
+          <p:cNvPr id="19" name="直接箭头连接符 18">
+            <a:extLst>
+              <a:ext uri="{FF2B5EF4-FFF2-40B4-BE49-F238E27FC236}">
+                <a16:creationId xmlns:a16="http://schemas.microsoft.com/office/drawing/2014/main" id="{5284553C-6E1C-EAD8-D276-7A355F0D3505}"/>
+              </a:ext>
+            </a:extLst>
+          </p:cNvPr>
+          <p:cNvCxnSpPr>
+            <a:cxnSpLocks/>
+          </p:cNvCxnSpPr>
+          <p:nvPr/>
+        </p:nvCxnSpPr>
+        <p:spPr>
+          <a:xfrm>
+            <a:off x="7772400" y="2454539"/>
+            <a:ext cx="0" cy="238762"/>
+          </a:xfrm>
+          <a:prstGeom prst="straightConnector1">
+            <a:avLst/>
+          </a:prstGeom>
+          <a:ln>
+            <a:solidFill>
+              <a:schemeClr val="tx1"/>
+            </a:solidFill>
+            <a:tailEnd type="triangle"/>
+          </a:ln>
+        </p:spPr>
+        <p:style>
+          <a:lnRef idx="2">
+            <a:schemeClr val="accent1"/>
+          </a:lnRef>
+          <a:fillRef idx="0">
+            <a:schemeClr val="accent1"/>
+          </a:fillRef>
+          <a:effectRef idx="1">
+            <a:schemeClr val="accent1"/>
+          </a:effectRef>
+          <a:fontRef idx="minor">
+            <a:schemeClr val="tx1"/>
+          </a:fontRef>
+        </p:style>
+      </p:cxnSp>
+      <p:sp>
+        <p:nvSpPr>
+          <p:cNvPr id="23" name="矩形 22">
+            <a:extLst>
+              <a:ext uri="{FF2B5EF4-FFF2-40B4-BE49-F238E27FC236}">
+                <a16:creationId xmlns:a16="http://schemas.microsoft.com/office/drawing/2014/main" id="{9922B618-2CB3-22C9-E71B-037D6A8D1F9B}"/>
+              </a:ext>
+            </a:extLst>
+          </p:cNvPr>
+          <p:cNvSpPr/>
+          <p:nvPr/>
+        </p:nvSpPr>
+        <p:spPr>
+          <a:xfrm>
+            <a:off x="7437945" y="2693301"/>
+            <a:ext cx="707391" cy="385481"/>
+          </a:xfrm>
+          <a:prstGeom prst="rect">
+            <a:avLst/>
+          </a:prstGeom>
+          <a:solidFill>
+            <a:schemeClr val="bg1"/>
+          </a:solidFill>
+        </p:spPr>
+        <p:style>
+          <a:lnRef idx="2">
+            <a:schemeClr val="accent1">
+              <a:shade val="15000"/>
+            </a:schemeClr>
+          </a:lnRef>
+          <a:fillRef idx="1">
+            <a:schemeClr val="accent1"/>
+          </a:fillRef>
+          <a:effectRef idx="0">
+            <a:schemeClr val="accent1"/>
+          </a:effectRef>
+          <a:fontRef idx="minor">
+            <a:schemeClr val="lt1"/>
+          </a:fontRef>
+        </p:style>
+        <p:txBody>
+          <a:bodyPr rtlCol="0" anchor="ctr"/>
+          <a:lstStyle/>
+          <a:p>
+            <a:pPr algn="ctr"/>
+            <a:r>
+              <a:rPr lang="zh-CN" altLang="en-US" sz="1200" b="1">
+                <a:solidFill>
+                  <a:schemeClr val="tx1"/>
+                </a:solidFill>
+                <a:latin typeface="仿宋" panose="02010609060101010101" pitchFamily="49" charset="-122"/>
+                <a:ea typeface="仿宋" panose="02010609060101010101" pitchFamily="49" charset="-122"/>
+              </a:rPr>
+              <a:t>信号</a:t>
+            </a:r>
+            <a:endParaRPr lang="en-US" altLang="zh-CN" sz="1200" b="1">
+              <a:solidFill>
+                <a:schemeClr val="tx1"/>
+              </a:solidFill>
+              <a:latin typeface="仿宋" panose="02010609060101010101" pitchFamily="49" charset="-122"/>
+              <a:ea typeface="仿宋" panose="02010609060101010101" pitchFamily="49" charset="-122"/>
+            </a:endParaRPr>
+          </a:p>
+          <a:p>
+            <a:pPr algn="ctr"/>
+            <a:r>
+              <a:rPr lang="zh-CN" altLang="en-US" sz="1200" b="1">
+                <a:solidFill>
+                  <a:schemeClr val="tx1"/>
+                </a:solidFill>
+                <a:latin typeface="仿宋" panose="02010609060101010101" pitchFamily="49" charset="-122"/>
+                <a:ea typeface="仿宋" panose="02010609060101010101" pitchFamily="49" charset="-122"/>
+              </a:rPr>
+              <a:t>处理</a:t>
+            </a:r>
+            <a:endParaRPr lang="en-US" altLang="zh-CN" sz="1200" b="1">
+              <a:solidFill>
+                <a:schemeClr val="tx1"/>
+              </a:solidFill>
+              <a:latin typeface="仿宋" panose="02010609060101010101" pitchFamily="49" charset="-122"/>
+              <a:ea typeface="仿宋" panose="02010609060101010101" pitchFamily="49" charset="-122"/>
+            </a:endParaRPr>
+          </a:p>
+        </p:txBody>
+      </p:sp>
+      <p:cxnSp>
+        <p:nvCxnSpPr>
+          <p:cNvPr id="24" name="直接箭头连接符 23">
+            <a:extLst>
+              <a:ext uri="{FF2B5EF4-FFF2-40B4-BE49-F238E27FC236}">
+                <a16:creationId xmlns:a16="http://schemas.microsoft.com/office/drawing/2014/main" id="{0AC915B8-DBDF-DB90-7020-B50F52ED9265}"/>
+              </a:ext>
+            </a:extLst>
+          </p:cNvPr>
+          <p:cNvCxnSpPr>
+            <a:cxnSpLocks/>
+          </p:cNvCxnSpPr>
+          <p:nvPr/>
+        </p:nvCxnSpPr>
+        <p:spPr>
+          <a:xfrm flipH="1">
+            <a:off x="7074742" y="2886041"/>
+            <a:ext cx="355583" cy="0"/>
+          </a:xfrm>
+          <a:prstGeom prst="straightConnector1">
+            <a:avLst/>
+          </a:prstGeom>
+          <a:ln>
+            <a:solidFill>
+              <a:schemeClr val="tx1"/>
+            </a:solidFill>
+            <a:tailEnd type="triangle"/>
+          </a:ln>
+        </p:spPr>
+        <p:style>
+          <a:lnRef idx="2">
+            <a:schemeClr val="accent1"/>
+          </a:lnRef>
+          <a:fillRef idx="0">
+            <a:schemeClr val="accent1"/>
+          </a:fillRef>
+          <a:effectRef idx="1">
+            <a:schemeClr val="accent1"/>
+          </a:effectRef>
+          <a:fontRef idx="minor">
+            <a:schemeClr val="tx1"/>
+          </a:fontRef>
+        </p:style>
+      </p:cxnSp>
+      <p:sp>
+        <p:nvSpPr>
+          <p:cNvPr id="25" name="矩形 24">
+            <a:extLst>
+              <a:ext uri="{FF2B5EF4-FFF2-40B4-BE49-F238E27FC236}">
+                <a16:creationId xmlns:a16="http://schemas.microsoft.com/office/drawing/2014/main" id="{239BEB33-9243-0F10-572F-FE6C388A452A}"/>
+              </a:ext>
+            </a:extLst>
+          </p:cNvPr>
+          <p:cNvSpPr/>
+          <p:nvPr/>
+        </p:nvSpPr>
+        <p:spPr>
+          <a:xfrm>
+            <a:off x="6381118" y="2686720"/>
+            <a:ext cx="707391" cy="385481"/>
+          </a:xfrm>
+          <a:prstGeom prst="rect">
+            <a:avLst/>
+          </a:prstGeom>
+          <a:solidFill>
+            <a:schemeClr val="bg1"/>
+          </a:solidFill>
+        </p:spPr>
+        <p:style>
+          <a:lnRef idx="2">
+            <a:schemeClr val="accent1">
+              <a:shade val="15000"/>
+            </a:schemeClr>
+          </a:lnRef>
+          <a:fillRef idx="1">
+            <a:schemeClr val="accent1"/>
+          </a:fillRef>
+          <a:effectRef idx="0">
+            <a:schemeClr val="accent1"/>
+          </a:effectRef>
+          <a:fontRef idx="minor">
+            <a:schemeClr val="lt1"/>
+          </a:fontRef>
+        </p:style>
+        <p:txBody>
+          <a:bodyPr rtlCol="0" anchor="ctr"/>
+          <a:lstStyle/>
+          <a:p>
+            <a:pPr algn="ctr"/>
+            <a:r>
+              <a:rPr lang="en-US" altLang="zh-CN" sz="1200" b="1">
+                <a:solidFill>
+                  <a:schemeClr val="tx1"/>
+                </a:solidFill>
+                <a:latin typeface="仿宋" panose="02010609060101010101" pitchFamily="49" charset="-122"/>
+                <a:ea typeface="仿宋" panose="02010609060101010101" pitchFamily="49" charset="-122"/>
+              </a:rPr>
+              <a:t>DAC</a:t>
+            </a:r>
+          </a:p>
+          <a:p>
+            <a:pPr algn="ctr"/>
+            <a:r>
+              <a:rPr lang="zh-CN" altLang="en-US" sz="1200" b="1">
+                <a:solidFill>
+                  <a:schemeClr val="tx1"/>
+                </a:solidFill>
+                <a:latin typeface="仿宋" panose="02010609060101010101" pitchFamily="49" charset="-122"/>
+                <a:ea typeface="仿宋" panose="02010609060101010101" pitchFamily="49" charset="-122"/>
+              </a:rPr>
+              <a:t>还原</a:t>
+            </a:r>
+            <a:endParaRPr lang="en-US" altLang="zh-CN" sz="1200" b="1">
+              <a:solidFill>
+                <a:schemeClr val="tx1"/>
+              </a:solidFill>
+              <a:latin typeface="仿宋" panose="02010609060101010101" pitchFamily="49" charset="-122"/>
+              <a:ea typeface="仿宋" panose="02010609060101010101" pitchFamily="49" charset="-122"/>
+            </a:endParaRPr>
+          </a:p>
+        </p:txBody>
+      </p:sp>
+      <p:cxnSp>
+        <p:nvCxnSpPr>
+          <p:cNvPr id="26" name="直接箭头连接符 25">
+            <a:extLst>
+              <a:ext uri="{FF2B5EF4-FFF2-40B4-BE49-F238E27FC236}">
+                <a16:creationId xmlns:a16="http://schemas.microsoft.com/office/drawing/2014/main" id="{43CA47C4-912D-163E-8611-2477ABA50F48}"/>
+              </a:ext>
+            </a:extLst>
+          </p:cNvPr>
+          <p:cNvCxnSpPr>
+            <a:cxnSpLocks/>
+          </p:cNvCxnSpPr>
+          <p:nvPr/>
+        </p:nvCxnSpPr>
+        <p:spPr>
+          <a:xfrm flipH="1">
+            <a:off x="6084573" y="2874376"/>
+            <a:ext cx="283400" cy="0"/>
+          </a:xfrm>
+          <a:prstGeom prst="straightConnector1">
+            <a:avLst/>
+          </a:prstGeom>
+          <a:ln>
+            <a:solidFill>
+              <a:schemeClr val="tx1"/>
+            </a:solidFill>
+            <a:tailEnd type="triangle"/>
+          </a:ln>
+        </p:spPr>
+        <p:style>
+          <a:lnRef idx="2">
+            <a:schemeClr val="accent1"/>
+          </a:lnRef>
+          <a:fillRef idx="0">
+            <a:schemeClr val="accent1"/>
+          </a:fillRef>
+          <a:effectRef idx="1">
+            <a:schemeClr val="accent1"/>
+          </a:effectRef>
+          <a:fontRef idx="minor">
+            <a:schemeClr val="tx1"/>
+          </a:fontRef>
+        </p:style>
+      </p:cxnSp>
+      <p:sp>
+        <p:nvSpPr>
+          <p:cNvPr id="28" name="矩形 27">
+            <a:extLst>
+              <a:ext uri="{FF2B5EF4-FFF2-40B4-BE49-F238E27FC236}">
+                <a16:creationId xmlns:a16="http://schemas.microsoft.com/office/drawing/2014/main" id="{D4E768A4-C2D6-AA48-44BD-30A2AB593259}"/>
+              </a:ext>
+            </a:extLst>
+          </p:cNvPr>
+          <p:cNvSpPr/>
+          <p:nvPr/>
+        </p:nvSpPr>
+        <p:spPr>
+          <a:xfrm>
+            <a:off x="5377182" y="2686720"/>
+            <a:ext cx="707391" cy="385481"/>
+          </a:xfrm>
+          <a:prstGeom prst="rect">
+            <a:avLst/>
+          </a:prstGeom>
+          <a:solidFill>
+            <a:schemeClr val="bg1"/>
+          </a:solidFill>
+        </p:spPr>
+        <p:style>
+          <a:lnRef idx="2">
+            <a:schemeClr val="accent1">
+              <a:shade val="15000"/>
+            </a:schemeClr>
+          </a:lnRef>
+          <a:fillRef idx="1">
+            <a:schemeClr val="accent1"/>
+          </a:fillRef>
+          <a:effectRef idx="0">
+            <a:schemeClr val="accent1"/>
+          </a:effectRef>
+          <a:fontRef idx="minor">
+            <a:schemeClr val="lt1"/>
+          </a:fontRef>
+        </p:style>
+        <p:txBody>
+          <a:bodyPr rtlCol="0" anchor="ctr"/>
+          <a:lstStyle/>
+          <a:p>
+            <a:pPr algn="ctr"/>
+            <a:r>
+              <a:rPr lang="zh-CN" altLang="en-US" sz="1200" b="1">
+                <a:solidFill>
+                  <a:schemeClr val="tx1"/>
+                </a:solidFill>
+                <a:latin typeface="仿宋" panose="02010609060101010101" pitchFamily="49" charset="-122"/>
+                <a:ea typeface="仿宋" panose="02010609060101010101" pitchFamily="49" charset="-122"/>
+              </a:rPr>
+              <a:t>串口输出同步</a:t>
+            </a:r>
+            <a:endParaRPr lang="en-US" altLang="zh-CN" sz="1200" b="1">
+              <a:solidFill>
+                <a:schemeClr val="tx1"/>
+              </a:solidFill>
+              <a:latin typeface="仿宋" panose="02010609060101010101" pitchFamily="49" charset="-122"/>
+              <a:ea typeface="仿宋" panose="02010609060101010101" pitchFamily="49" charset="-122"/>
+            </a:endParaRPr>
+          </a:p>
+        </p:txBody>
+      </p:sp>
+    </p:spTree>
+    <p:extLst>
+      <p:ext uri="{BB962C8B-B14F-4D97-AF65-F5344CB8AC3E}">
+        <p14:creationId xmlns:p14="http://schemas.microsoft.com/office/powerpoint/2010/main" val="1600257695"/>
+      </p:ext>
+    </p:extLst>
+  </p:cSld>
+  <p:clrMapOvr>
+    <a:masterClrMapping/>
+  </p:clrMapOvr>
+</p:sld>
+</file>
+
 <file path=ppt/theme/theme1.xml><?xml version="1.0" encoding="utf-8"?>
 <a:theme xmlns:a="http://schemas.openxmlformats.org/drawingml/2006/main" name="Office 主题​​">
   <a:themeElements>

--- a/assets/Screen_UI.pptx
+++ b/assets/Screen_UI.pptx
@@ -10726,6 +10726,30 @@
           </a:p>
         </p:txBody>
       </p:sp>
+      <p:pic>
+        <p:nvPicPr>
+          <p:cNvPr id="125" name="图片 124"/>
+          <p:cNvPicPr>
+            <a:picLocks noChangeAspect="1"/>
+          </p:cNvPicPr>
+          <p:nvPr/>
+        </p:nvPicPr>
+        <p:blipFill>
+          <a:blip r:embed="rId46"/>
+          <a:stretch>
+            <a:fillRect/>
+          </a:stretch>
+        </p:blipFill>
+        <p:spPr>
+          <a:xfrm>
+            <a:off x="4460875" y="2896235"/>
+            <a:ext cx="3270250" cy="2022475"/>
+          </a:xfrm>
+          <a:prstGeom prst="rect">
+            <a:avLst/>
+          </a:prstGeom>
+        </p:spPr>
+      </p:pic>
     </p:spTree>
   </p:cSld>
   <p:clrMapOvr>

--- a/assets/Screen_UI.pptx
+++ b/assets/Screen_UI.pptx
@@ -525,6 +525,54 @@
             <a:fld id="{D32C1FEF-4AAC-472A-ADC8-8BF784FB8931}" type="slidenum">
               <a:rPr lang="zh-CN" altLang="en-US" smtClean="0"/>
             </a:fld>
+            <a:endParaRPr lang="zh-CN" altLang="en-US"/>
+          </a:p>
+        </p:txBody>
+      </p:sp>
+    </p:spTree>
+  </p:cSld>
+  <p:clrMapOvr>
+    <a:masterClrMapping/>
+  </p:clrMapOvr>
+</p:notes>
+</file>
+
+<file path=ppt/notesSlides/notesSlide2.xml><?xml version="1.0" encoding="utf-8"?>
+<p:notes xmlns:a="http://schemas.openxmlformats.org/drawingml/2006/main" xmlns:r="http://schemas.openxmlformats.org/officeDocument/2006/relationships" xmlns:p="http://schemas.openxmlformats.org/presentationml/2006/main">
+  <p:cSld>
+    <p:spTree>
+      <p:nvGrpSpPr>
+        <p:cNvPr id="1" name=""/>
+        <p:cNvGrpSpPr/>
+        <p:nvPr/>
+      </p:nvGrpSpPr>
+      <p:grpSpPr/>
+      <p:sp>
+        <p:nvSpPr>
+          <p:cNvPr id="2" name="幻灯片图像占位符 1"/>
+          <p:cNvSpPr>
+            <a:spLocks noGrp="1"/>
+          </p:cNvSpPr>
+          <p:nvPr>
+            <p:ph type="sldImg" idx="2"/>
+          </p:nvPr>
+        </p:nvSpPr>
+        <p:spPr/>
+      </p:sp>
+      <p:sp>
+        <p:nvSpPr>
+          <p:cNvPr id="3" name="文本占位符 2"/>
+          <p:cNvSpPr>
+            <a:spLocks noGrp="1"/>
+          </p:cNvSpPr>
+          <p:nvPr>
+            <p:ph type="body" idx="3"/>
+          </p:nvPr>
+        </p:nvSpPr>
+        <p:spPr/>
+        <p:txBody>
+          <a:bodyPr/>
+          <a:p>
             <a:endParaRPr lang="zh-CN" altLang="en-US"/>
           </a:p>
         </p:txBody>
@@ -10728,7 +10776,7 @@
       </p:sp>
       <p:pic>
         <p:nvPicPr>
-          <p:cNvPr id="125" name="图片 124"/>
+          <p:cNvPr id="37" name="图片 36"/>
           <p:cNvPicPr>
             <a:picLocks noChangeAspect="1"/>
           </p:cNvPicPr>
@@ -10742,8 +10790,8 @@
         </p:blipFill>
         <p:spPr>
           <a:xfrm>
-            <a:off x="4460875" y="2896235"/>
-            <a:ext cx="3270250" cy="2022475"/>
+            <a:off x="4414520" y="2859405"/>
+            <a:ext cx="3362960" cy="2068830"/>
           </a:xfrm>
           <a:prstGeom prst="rect">
             <a:avLst/>

--- a/assets/Screen_UI.pptx
+++ b/assets/Screen_UI.pptx
@@ -3434,84 +3434,6 @@
               <a:t>放大器非线性失真研究</a:t>
             </a:r>
             <a:endParaRPr lang="zh-CN" altLang="en-US" sz="2400"/>
-          </a:p>
-        </p:txBody>
-      </p:sp>
-      <p:sp>
-        <p:nvSpPr>
-          <p:cNvPr id="87" name="文本框 86"/>
-          <p:cNvSpPr txBox="1"/>
-          <p:nvPr/>
-        </p:nvSpPr>
-        <p:spPr>
-          <a:xfrm>
-            <a:off x="4442460" y="2514600"/>
-            <a:ext cx="1332865" cy="584835"/>
-          </a:xfrm>
-          <a:prstGeom prst="rect">
-            <a:avLst/>
-          </a:prstGeom>
-          <a:noFill/>
-        </p:spPr>
-        <p:txBody>
-          <a:bodyPr wrap="square" rtlCol="0">
-            <a:spAutoFit/>
-          </a:bodyPr>
-          <a:lstStyle/>
-          <a:p>
-            <a:pPr algn="ctr"/>
-            <a:r>
-              <a:rPr lang="zh-CN" altLang="en-US" sz="1600"/>
-              <a:t>饶欣瑶</a:t>
-            </a:r>
-            <a:endParaRPr lang="en-US" altLang="zh-CN" sz="1600"/>
-          </a:p>
-          <a:p>
-            <a:pPr algn="ctr"/>
-            <a:r>
-              <a:rPr lang="en-US" altLang="zh-CN" sz="1600"/>
-              <a:t>2022302039</a:t>
-            </a:r>
-            <a:endParaRPr lang="zh-CN" altLang="en-US" sz="1600"/>
-          </a:p>
-        </p:txBody>
-      </p:sp>
-      <p:sp>
-        <p:nvSpPr>
-          <p:cNvPr id="88" name="文本框 87"/>
-          <p:cNvSpPr txBox="1"/>
-          <p:nvPr/>
-        </p:nvSpPr>
-        <p:spPr>
-          <a:xfrm>
-            <a:off x="6041390" y="2525395"/>
-            <a:ext cx="1332865" cy="584835"/>
-          </a:xfrm>
-          <a:prstGeom prst="rect">
-            <a:avLst/>
-          </a:prstGeom>
-          <a:noFill/>
-        </p:spPr>
-        <p:txBody>
-          <a:bodyPr wrap="square" rtlCol="0">
-            <a:spAutoFit/>
-          </a:bodyPr>
-          <a:lstStyle/>
-          <a:p>
-            <a:pPr algn="ctr"/>
-            <a:r>
-              <a:rPr lang="zh-CN" altLang="en-US" sz="1600"/>
-              <a:t>杨俊杰</a:t>
-            </a:r>
-            <a:endParaRPr lang="en-US" altLang="zh-CN" sz="1600"/>
-          </a:p>
-          <a:p>
-            <a:pPr algn="ctr"/>
-            <a:r>
-              <a:rPr lang="en-US" altLang="zh-CN" sz="1600"/>
-              <a:t>2022302240</a:t>
-            </a:r>
-            <a:endParaRPr lang="zh-CN" altLang="en-US" sz="1600"/>
           </a:p>
         </p:txBody>
       </p:sp>
@@ -7568,52 +7490,6 @@
               <a:t>放大器非线性失真研究</a:t>
             </a:r>
             <a:endParaRPr lang="zh-CN" altLang="en-US" sz="2400"/>
-          </a:p>
-        </p:txBody>
-      </p:sp>
-      <p:sp>
-        <p:nvSpPr>
-          <p:cNvPr id="87" name="文本框 86"/>
-          <p:cNvSpPr txBox="1"/>
-          <p:nvPr/>
-        </p:nvSpPr>
-        <p:spPr>
-          <a:xfrm>
-            <a:off x="3549015" y="2186940"/>
-            <a:ext cx="4692015" cy="337185"/>
-          </a:xfrm>
-          <a:prstGeom prst="rect">
-            <a:avLst/>
-          </a:prstGeom>
-          <a:noFill/>
-        </p:spPr>
-        <p:txBody>
-          <a:bodyPr wrap="square" rtlCol="0">
-            <a:spAutoFit/>
-          </a:bodyPr>
-          <a:p>
-            <a:pPr algn="ctr"/>
-            <a:r>
-              <a:rPr lang="zh-CN" altLang="en-US" sz="1600"/>
-              <a:t>饶欣瑶</a:t>
-            </a:r>
-            <a:r>
-              <a:rPr lang="en-US" altLang="zh-CN" sz="1600"/>
-              <a:t>2022302039		</a:t>
-            </a:r>
-            <a:r>
-              <a:rPr lang="zh-CN" altLang="en-US" sz="1600">
-                <a:sym typeface="+mn-ea"/>
-              </a:rPr>
-              <a:t>杨俊杰</a:t>
-            </a:r>
-            <a:r>
-              <a:rPr lang="en-US" altLang="zh-CN" sz="1600">
-                <a:sym typeface="+mn-ea"/>
-              </a:rPr>
-              <a:t>2022302240</a:t>
-            </a:r>
-            <a:endParaRPr lang="zh-CN" altLang="en-US" sz="1600"/>
           </a:p>
         </p:txBody>
       </p:sp>

--- a/assets/Screen_UI.pptx
+++ b/assets/Screen_UI.pptx
@@ -11,6 +11,7 @@
     <p:sldId id="256" r:id="rId3"/>
     <p:sldId id="257" r:id="rId5"/>
     <p:sldId id="258" r:id="rId6"/>
+    <p:sldId id="259" r:id="rId7"/>
   </p:sldIdLst>
   <p:sldSz cx="12192000" cy="6858000"/>
   <p:notesSz cx="6858000" cy="9144000"/>
@@ -538,6 +539,54 @@
 </file>
 
 <file path=ppt/notesSlides/notesSlide2.xml><?xml version="1.0" encoding="utf-8"?>
+<p:notes xmlns:a="http://schemas.openxmlformats.org/drawingml/2006/main" xmlns:r="http://schemas.openxmlformats.org/officeDocument/2006/relationships" xmlns:p="http://schemas.openxmlformats.org/presentationml/2006/main">
+  <p:cSld>
+    <p:spTree>
+      <p:nvGrpSpPr>
+        <p:cNvPr id="1" name=""/>
+        <p:cNvGrpSpPr/>
+        <p:nvPr/>
+      </p:nvGrpSpPr>
+      <p:grpSpPr/>
+      <p:sp>
+        <p:nvSpPr>
+          <p:cNvPr id="2" name="幻灯片图像占位符 1"/>
+          <p:cNvSpPr>
+            <a:spLocks noGrp="1"/>
+          </p:cNvSpPr>
+          <p:nvPr>
+            <p:ph type="sldImg" idx="2"/>
+          </p:nvPr>
+        </p:nvSpPr>
+        <p:spPr/>
+      </p:sp>
+      <p:sp>
+        <p:nvSpPr>
+          <p:cNvPr id="3" name="文本占位符 2"/>
+          <p:cNvSpPr>
+            <a:spLocks noGrp="1"/>
+          </p:cNvSpPr>
+          <p:nvPr>
+            <p:ph type="body" idx="3"/>
+          </p:nvPr>
+        </p:nvSpPr>
+        <p:spPr/>
+        <p:txBody>
+          <a:bodyPr/>
+          <a:p>
+            <a:endParaRPr lang="zh-CN" altLang="en-US"/>
+          </a:p>
+        </p:txBody>
+      </p:sp>
+    </p:spTree>
+  </p:cSld>
+  <p:clrMapOvr>
+    <a:masterClrMapping/>
+  </p:clrMapOvr>
+</p:notes>
+</file>
+
+<file path=ppt/notesSlides/notesSlide3.xml><?xml version="1.0" encoding="utf-8"?>
 <p:notes xmlns:a="http://schemas.openxmlformats.org/drawingml/2006/main" xmlns:r="http://schemas.openxmlformats.org/officeDocument/2006/relationships" xmlns:p="http://schemas.openxmlformats.org/presentationml/2006/main">
   <p:cSld>
     <p:spTree>
@@ -10682,6 +10731,734 @@
 </p:sld>
 </file>
 
+<file path=ppt/slides/slide4.xml><?xml version="1.0" encoding="utf-8"?>
+<p:sld xmlns:a="http://schemas.openxmlformats.org/drawingml/2006/main" xmlns:r="http://schemas.openxmlformats.org/officeDocument/2006/relationships" xmlns:p="http://schemas.openxmlformats.org/presentationml/2006/main">
+  <p:cSld>
+    <p:spTree>
+      <p:nvGrpSpPr>
+        <p:cNvPr id="1" name=""/>
+        <p:cNvGrpSpPr/>
+        <p:nvPr/>
+      </p:nvGrpSpPr>
+      <p:grpSpPr/>
+      <p:sp>
+        <p:nvSpPr>
+          <p:cNvPr id="2" name="矩形 1"/>
+          <p:cNvSpPr/>
+          <p:nvPr/>
+        </p:nvSpPr>
+        <p:spPr>
+          <a:xfrm>
+            <a:off x="2453005" y="1276350"/>
+            <a:ext cx="7312025" cy="4305300"/>
+          </a:xfrm>
+          <a:prstGeom prst="rect">
+            <a:avLst/>
+          </a:prstGeom>
+          <a:solidFill>
+            <a:schemeClr val="accent2">
+              <a:lumMod val="60000"/>
+              <a:lumOff val="40000"/>
+            </a:schemeClr>
+          </a:solidFill>
+          <a:ln>
+            <a:noFill/>
+          </a:ln>
+        </p:spPr>
+        <p:style>
+          <a:lnRef idx="2">
+            <a:schemeClr val="accent1">
+              <a:shade val="15000"/>
+            </a:schemeClr>
+          </a:lnRef>
+          <a:fillRef idx="1">
+            <a:schemeClr val="accent1"/>
+          </a:fillRef>
+          <a:effectRef idx="0">
+            <a:schemeClr val="accent1"/>
+          </a:effectRef>
+          <a:fontRef idx="minor">
+            <a:schemeClr val="lt1"/>
+          </a:fontRef>
+        </p:style>
+        <p:txBody>
+          <a:bodyPr rtlCol="0" anchor="ctr"/>
+          <a:p>
+            <a:pPr algn="ctr"/>
+            <a:endParaRPr lang="zh-CN" altLang="en-US"/>
+          </a:p>
+        </p:txBody>
+      </p:sp>
+      <p:sp>
+        <p:nvSpPr>
+          <p:cNvPr id="3" name="文本框 2"/>
+          <p:cNvSpPr txBox="1"/>
+          <p:nvPr/>
+        </p:nvSpPr>
+        <p:spPr>
+          <a:xfrm>
+            <a:off x="4655503" y="1570990"/>
+            <a:ext cx="2907030" cy="460375"/>
+          </a:xfrm>
+          <a:prstGeom prst="rect">
+            <a:avLst/>
+          </a:prstGeom>
+          <a:noFill/>
+        </p:spPr>
+        <p:txBody>
+          <a:bodyPr wrap="square" rtlCol="0">
+            <a:spAutoFit/>
+          </a:bodyPr>
+          <a:p>
+            <a:r>
+              <a:rPr lang="zh-CN" altLang="en-US" sz="2400" b="1"/>
+              <a:t>实验</a:t>
+            </a:r>
+            <a:r>
+              <a:rPr lang="en-US" altLang="zh-CN" sz="2400" b="1"/>
+              <a:t>3 </a:t>
+            </a:r>
+            <a:r>
+              <a:rPr lang="zh-CN" altLang="en-US" sz="2400" b="1"/>
+              <a:t>火焰检测电路</a:t>
+            </a:r>
+            <a:endParaRPr lang="zh-CN" altLang="en-US" sz="2400" b="1"/>
+          </a:p>
+        </p:txBody>
+      </p:sp>
+      <p:sp>
+        <p:nvSpPr>
+          <p:cNvPr id="35" name="圆角矩形 34"/>
+          <p:cNvSpPr/>
+          <p:nvPr/>
+        </p:nvSpPr>
+        <p:spPr>
+          <a:xfrm>
+            <a:off x="2837815" y="2790825"/>
+            <a:ext cx="1565275" cy="1566545"/>
+          </a:xfrm>
+          <a:prstGeom prst="roundRect">
+            <a:avLst/>
+          </a:prstGeom>
+          <a:ln>
+            <a:solidFill>
+              <a:schemeClr val="tx1"/>
+            </a:solidFill>
+          </a:ln>
+        </p:spPr>
+        <p:style>
+          <a:lnRef idx="2">
+            <a:schemeClr val="accent1">
+              <a:lumMod val="75000"/>
+            </a:schemeClr>
+          </a:lnRef>
+          <a:fillRef idx="1">
+            <a:schemeClr val="accent1"/>
+          </a:fillRef>
+          <a:effectRef idx="0">
+            <a:srgbClr val="FFFFFF"/>
+          </a:effectRef>
+          <a:fontRef idx="minor">
+            <a:schemeClr val="lt1"/>
+          </a:fontRef>
+        </p:style>
+        <p:txBody>
+          <a:bodyPr rtlCol="0" anchor="ctr"/>
+          <a:p>
+            <a:pPr algn="ctr"/>
+            <a:endParaRPr lang="zh-CN" altLang="en-US"/>
+          </a:p>
+        </p:txBody>
+      </p:sp>
+      <p:sp>
+        <p:nvSpPr>
+          <p:cNvPr id="38" name="圆角矩形 37"/>
+          <p:cNvSpPr/>
+          <p:nvPr/>
+        </p:nvSpPr>
+        <p:spPr>
+          <a:xfrm>
+            <a:off x="2837815" y="4430395"/>
+            <a:ext cx="1564640" cy="437515"/>
+          </a:xfrm>
+          <a:prstGeom prst="roundRect">
+            <a:avLst/>
+          </a:prstGeom>
+          <a:solidFill>
+            <a:schemeClr val="accent2"/>
+          </a:solidFill>
+          <a:ln>
+            <a:noFill/>
+          </a:ln>
+        </p:spPr>
+        <p:style>
+          <a:lnRef idx="2">
+            <a:schemeClr val="accent1">
+              <a:lumMod val="75000"/>
+            </a:schemeClr>
+          </a:lnRef>
+          <a:fillRef idx="1">
+            <a:schemeClr val="accent1"/>
+          </a:fillRef>
+          <a:effectRef idx="0">
+            <a:srgbClr val="FFFFFF"/>
+          </a:effectRef>
+          <a:fontRef idx="minor">
+            <a:schemeClr val="lt1"/>
+          </a:fontRef>
+        </p:style>
+        <p:txBody>
+          <a:bodyPr rtlCol="0" anchor="ctr"/>
+          <a:p>
+            <a:pPr algn="ctr"/>
+            <a:r>
+              <a:rPr lang="zh-CN" altLang="en-US" b="1"/>
+              <a:t>起火标志</a:t>
+            </a:r>
+            <a:endParaRPr lang="zh-CN" altLang="en-US" b="1"/>
+          </a:p>
+        </p:txBody>
+      </p:sp>
+      <p:sp>
+        <p:nvSpPr>
+          <p:cNvPr id="39" name="圆角矩形 38"/>
+          <p:cNvSpPr/>
+          <p:nvPr/>
+        </p:nvSpPr>
+        <p:spPr>
+          <a:xfrm>
+            <a:off x="7145655" y="2031365"/>
+            <a:ext cx="2298065" cy="714375"/>
+          </a:xfrm>
+          <a:prstGeom prst="roundRect">
+            <a:avLst/>
+          </a:prstGeom>
+          <a:solidFill>
+            <a:schemeClr val="accent2"/>
+          </a:solidFill>
+          <a:ln>
+            <a:noFill/>
+          </a:ln>
+        </p:spPr>
+        <p:style>
+          <a:lnRef idx="2">
+            <a:schemeClr val="accent1">
+              <a:lumMod val="75000"/>
+            </a:schemeClr>
+          </a:lnRef>
+          <a:fillRef idx="1">
+            <a:schemeClr val="accent1"/>
+          </a:fillRef>
+          <a:effectRef idx="0">
+            <a:srgbClr val="FFFFFF"/>
+          </a:effectRef>
+          <a:fontRef idx="minor">
+            <a:schemeClr val="lt1"/>
+          </a:fontRef>
+        </p:style>
+        <p:txBody>
+          <a:bodyPr rtlCol="0" anchor="ctr"/>
+          <a:p>
+            <a:pPr algn="ctr"/>
+            <a:r>
+              <a:rPr lang="zh-CN" altLang="en-US" b="1"/>
+              <a:t>饶欣瑶</a:t>
+            </a:r>
+            <a:r>
+              <a:rPr lang="en-US" altLang="zh-CN" b="1"/>
+              <a:t>2022302039</a:t>
+            </a:r>
+            <a:endParaRPr lang="en-US" altLang="zh-CN" b="1"/>
+          </a:p>
+          <a:p>
+            <a:pPr algn="ctr"/>
+            <a:r>
+              <a:rPr lang="zh-CN" altLang="en-US" b="1"/>
+              <a:t>杨俊杰</a:t>
+            </a:r>
+            <a:r>
+              <a:rPr lang="en-US" altLang="zh-CN" b="1"/>
+              <a:t>2022302240</a:t>
+            </a:r>
+            <a:endParaRPr lang="en-US" altLang="zh-CN" b="1"/>
+          </a:p>
+        </p:txBody>
+      </p:sp>
+      <p:sp>
+        <p:nvSpPr>
+          <p:cNvPr id="41" name="椭圆 40"/>
+          <p:cNvSpPr/>
+          <p:nvPr/>
+        </p:nvSpPr>
+        <p:spPr>
+          <a:xfrm>
+            <a:off x="5610860" y="4645025"/>
+            <a:ext cx="666750" cy="680085"/>
+          </a:xfrm>
+          <a:prstGeom prst="ellipse">
+            <a:avLst/>
+          </a:prstGeom>
+          <a:ln>
+            <a:solidFill>
+              <a:schemeClr val="accent1">
+                <a:lumMod val="60000"/>
+                <a:lumOff val="40000"/>
+              </a:schemeClr>
+            </a:solidFill>
+          </a:ln>
+        </p:spPr>
+        <p:style>
+          <a:lnRef idx="2">
+            <a:schemeClr val="accent1">
+              <a:lumMod val="75000"/>
+            </a:schemeClr>
+          </a:lnRef>
+          <a:fillRef idx="1">
+            <a:schemeClr val="accent1"/>
+          </a:fillRef>
+          <a:effectRef idx="0">
+            <a:srgbClr val="FFFFFF"/>
+          </a:effectRef>
+          <a:fontRef idx="minor">
+            <a:schemeClr val="lt1"/>
+          </a:fontRef>
+        </p:style>
+        <p:txBody>
+          <a:bodyPr rtlCol="0" anchor="ctr"/>
+          <a:p>
+            <a:pPr algn="ctr"/>
+            <a:r>
+              <a:rPr lang="zh-CN" altLang="en-US" sz="2000" b="1"/>
+              <a:t>加</a:t>
+            </a:r>
+            <a:endParaRPr lang="zh-CN" altLang="en-US" sz="2000" b="1"/>
+          </a:p>
+        </p:txBody>
+      </p:sp>
+      <p:sp>
+        <p:nvSpPr>
+          <p:cNvPr id="43" name="椭圆 42"/>
+          <p:cNvSpPr/>
+          <p:nvPr/>
+        </p:nvSpPr>
+        <p:spPr>
+          <a:xfrm>
+            <a:off x="7774305" y="4645025"/>
+            <a:ext cx="666750" cy="680085"/>
+          </a:xfrm>
+          <a:prstGeom prst="ellipse">
+            <a:avLst/>
+          </a:prstGeom>
+          <a:ln>
+            <a:solidFill>
+              <a:schemeClr val="accent1">
+                <a:lumMod val="60000"/>
+                <a:lumOff val="40000"/>
+              </a:schemeClr>
+            </a:solidFill>
+          </a:ln>
+        </p:spPr>
+        <p:style>
+          <a:lnRef idx="2">
+            <a:schemeClr val="accent1">
+              <a:lumMod val="75000"/>
+            </a:schemeClr>
+          </a:lnRef>
+          <a:fillRef idx="1">
+            <a:schemeClr val="accent1"/>
+          </a:fillRef>
+          <a:effectRef idx="0">
+            <a:srgbClr val="FFFFFF"/>
+          </a:effectRef>
+          <a:fontRef idx="minor">
+            <a:schemeClr val="lt1"/>
+          </a:fontRef>
+        </p:style>
+        <p:txBody>
+          <a:bodyPr rtlCol="0" anchor="ctr"/>
+          <a:p>
+            <a:pPr algn="ctr"/>
+            <a:r>
+              <a:rPr lang="zh-CN" altLang="en-US" sz="2000" b="1"/>
+              <a:t>减</a:t>
+            </a:r>
+            <a:endParaRPr lang="zh-CN" altLang="en-US" sz="2000" b="1"/>
+          </a:p>
+        </p:txBody>
+      </p:sp>
+      <p:grpSp>
+        <p:nvGrpSpPr>
+          <p:cNvPr id="50" name="组合 49"/>
+          <p:cNvGrpSpPr/>
+          <p:nvPr/>
+        </p:nvGrpSpPr>
+        <p:grpSpPr>
+          <a:xfrm>
+            <a:off x="4655820" y="2790825"/>
+            <a:ext cx="4788535" cy="1808480"/>
+            <a:chOff x="7610" y="4395"/>
+            <a:chExt cx="7541" cy="2848"/>
+          </a:xfrm>
+        </p:grpSpPr>
+        <p:sp>
+          <p:nvSpPr>
+            <p:cNvPr id="44" name="圆角矩形 43"/>
+            <p:cNvSpPr/>
+            <p:nvPr/>
+          </p:nvSpPr>
+          <p:spPr>
+            <a:xfrm>
+              <a:off x="7610" y="4395"/>
+              <a:ext cx="7540" cy="2849"/>
+            </a:xfrm>
+            <a:prstGeom prst="roundRect">
+              <a:avLst/>
+            </a:prstGeom>
+            <a:ln>
+              <a:solidFill>
+                <a:schemeClr val="tx1"/>
+              </a:solidFill>
+            </a:ln>
+          </p:spPr>
+          <p:style>
+            <a:lnRef idx="2">
+              <a:schemeClr val="accent1">
+                <a:lumMod val="75000"/>
+              </a:schemeClr>
+            </a:lnRef>
+            <a:fillRef idx="1">
+              <a:schemeClr val="accent1"/>
+            </a:fillRef>
+            <a:effectRef idx="0">
+              <a:srgbClr val="FFFFFF"/>
+            </a:effectRef>
+            <a:fontRef idx="minor">
+              <a:schemeClr val="lt1"/>
+            </a:fontRef>
+          </p:style>
+          <p:txBody>
+            <a:bodyPr rtlCol="0" anchor="ctr"/>
+            <a:p>
+              <a:pPr algn="l"/>
+              <a:r>
+                <a:rPr lang="zh-CN" altLang="en-US" sz="3600" b="1"/>
+                <a:t>起火的阈值：</a:t>
+              </a:r>
+              <a:r>
+                <a:rPr lang="en-US" altLang="zh-CN" sz="3600" b="1"/>
+                <a:t>	  </a:t>
+              </a:r>
+              <a:endParaRPr lang="en-US" altLang="zh-CN" sz="3600" b="1"/>
+            </a:p>
+            <a:p>
+              <a:pPr algn="l"/>
+              <a:r>
+                <a:rPr lang="zh-CN" altLang="en-US" sz="3600" b="1"/>
+                <a:t>电位器阻值：</a:t>
+              </a:r>
+              <a:r>
+                <a:rPr lang="en-US" altLang="zh-CN" sz="3600" b="1"/>
+                <a:t>	</a:t>
+              </a:r>
+              <a:endParaRPr lang="en-US" altLang="zh-CN" sz="3600" b="1" i="1">
+                <a:latin typeface="Cambria Math" panose="02040503050406030204" pitchFamily="18" charset="0"/>
+                <a:cs typeface="Cambria Math" panose="02040503050406030204" pitchFamily="18" charset="0"/>
+              </a:endParaRPr>
+            </a:p>
+          </p:txBody>
+        </p:sp>
+        <p:graphicFrame>
+          <p:nvGraphicFramePr>
+            <p:cNvPr id="46" name="对象 45"/>
+            <p:cNvGraphicFramePr/>
+            <p:nvPr/>
+          </p:nvGraphicFramePr>
+          <p:xfrm>
+            <a:off x="13471" y="5735"/>
+            <a:ext cx="1680" cy="941"/>
+          </p:xfrm>
+          <a:graphic>
+            <a:graphicData uri="http://schemas.openxmlformats.org/presentationml/2006/ole">
+              <mc:AlternateContent xmlns:mc="http://schemas.openxmlformats.org/markup-compatibility/2006">
+                <mc:Choice xmlns:v="urn:schemas-microsoft-com:vml" Requires="v">
+                  <p:oleObj spid="_x0000_s47" name="" r:id="rId1" imgW="775970" imgH="548640" progId="Equation.KSEE3">
+                    <p:embed/>
+                  </p:oleObj>
+                </mc:Choice>
+                <mc:Fallback>
+                  <p:oleObj name="" r:id="rId1" imgW="775970" imgH="548640" progId="Equation.KSEE3">
+                    <p:embed/>
+                    <p:pic>
+                      <p:nvPicPr>
+                        <p:cNvPr id="0" name="图片 46"/>
+                        <p:cNvPicPr/>
+                        <p:nvPr/>
+                      </p:nvPicPr>
+                      <p:blipFill>
+                        <a:blip r:embed="rId2"/>
+                        <a:stretch>
+                          <a:fillRect/>
+                        </a:stretch>
+                      </p:blipFill>
+                      <p:spPr>
+                        <a:xfrm>
+                          <a:off x="13471" y="5735"/>
+                          <a:ext cx="1680" cy="941"/>
+                        </a:xfrm>
+                        <a:prstGeom prst="rect">
+                          <a:avLst/>
+                        </a:prstGeom>
+                      </p:spPr>
+                    </p:pic>
+                  </p:oleObj>
+                </mc:Fallback>
+              </mc:AlternateContent>
+            </a:graphicData>
+          </a:graphic>
+        </p:graphicFrame>
+        <p:graphicFrame>
+          <p:nvGraphicFramePr>
+            <p:cNvPr id="48" name="对象 47"/>
+            <p:cNvGraphicFramePr/>
+            <p:nvPr/>
+          </p:nvGraphicFramePr>
+          <p:xfrm>
+            <a:off x="13471" y="4869"/>
+            <a:ext cx="1680" cy="941"/>
+          </p:xfrm>
+          <a:graphic>
+            <a:graphicData uri="http://schemas.openxmlformats.org/presentationml/2006/ole">
+              <mc:AlternateContent xmlns:mc="http://schemas.openxmlformats.org/markup-compatibility/2006">
+                <mc:Choice xmlns:v="urn:schemas-microsoft-com:vml" Requires="v">
+                  <p:oleObj spid="_x0000_s49" name="" r:id="rId3" imgW="775970" imgH="548640" progId="Equation.KSEE3">
+                    <p:embed/>
+                  </p:oleObj>
+                </mc:Choice>
+                <mc:Fallback>
+                  <p:oleObj name="" r:id="rId3" imgW="775970" imgH="548640" progId="Equation.KSEE3">
+                    <p:embed/>
+                    <p:pic>
+                      <p:nvPicPr>
+                        <p:cNvPr id="0" name="图片 46"/>
+                        <p:cNvPicPr/>
+                        <p:nvPr/>
+                      </p:nvPicPr>
+                      <p:blipFill>
+                        <a:blip r:embed="rId2"/>
+                        <a:stretch>
+                          <a:fillRect/>
+                        </a:stretch>
+                      </p:blipFill>
+                      <p:spPr>
+                        <a:xfrm>
+                          <a:off x="13471" y="4869"/>
+                          <a:ext cx="1680" cy="941"/>
+                        </a:xfrm>
+                        <a:prstGeom prst="rect">
+                          <a:avLst/>
+                        </a:prstGeom>
+                      </p:spPr>
+                    </p:pic>
+                  </p:oleObj>
+                </mc:Fallback>
+              </mc:AlternateContent>
+            </a:graphicData>
+          </a:graphic>
+        </p:graphicFrame>
+      </p:grpSp>
+      <p:grpSp>
+        <p:nvGrpSpPr>
+          <p:cNvPr id="52" name="组合 51"/>
+          <p:cNvGrpSpPr/>
+          <p:nvPr/>
+        </p:nvGrpSpPr>
+        <p:grpSpPr>
+          <a:xfrm>
+            <a:off x="285115" y="1670685"/>
+            <a:ext cx="1565275" cy="1566545"/>
+            <a:chOff x="763" y="3199"/>
+            <a:chExt cx="2465" cy="2467"/>
+          </a:xfrm>
+        </p:grpSpPr>
+        <p:pic>
+          <p:nvPicPr>
+            <p:cNvPr id="36" name="图片 35"/>
+            <p:cNvPicPr/>
+            <p:nvPr/>
+          </p:nvPicPr>
+          <p:blipFill>
+            <a:blip r:embed="rId4"/>
+            <a:srcRect l="24620" t="4898" r="21907" b="9426"/>
+            <a:stretch>
+              <a:fillRect/>
+            </a:stretch>
+          </p:blipFill>
+          <p:spPr>
+            <a:xfrm>
+              <a:off x="1077" y="3222"/>
+              <a:ext cx="1836" cy="2215"/>
+            </a:xfrm>
+            <a:prstGeom prst="rect">
+              <a:avLst/>
+            </a:prstGeom>
+          </p:spPr>
+        </p:pic>
+        <p:sp>
+          <p:nvSpPr>
+            <p:cNvPr id="51" name="椭圆 50"/>
+            <p:cNvSpPr/>
+            <p:nvPr/>
+          </p:nvSpPr>
+          <p:spPr>
+            <a:xfrm>
+              <a:off x="763" y="3199"/>
+              <a:ext cx="2465" cy="2467"/>
+            </a:xfrm>
+            <a:prstGeom prst="ellipse">
+              <a:avLst/>
+            </a:prstGeom>
+            <a:noFill/>
+            <a:ln>
+              <a:solidFill>
+                <a:schemeClr val="tx1"/>
+              </a:solidFill>
+            </a:ln>
+            <a:extLst>
+              <a:ext uri="{909E8E84-426E-40DD-AFC4-6F175D3DCCD1}">
+                <a14:hiddenFill xmlns:a14="http://schemas.microsoft.com/office/drawing/2010/main">
+                  <a:solidFill>
+                    <a:schemeClr val="accent1"/>
+                  </a:solidFill>
+                </a14:hiddenFill>
+              </a:ext>
+            </a:extLst>
+          </p:spPr>
+          <p:style>
+            <a:lnRef idx="2">
+              <a:schemeClr val="accent1">
+                <a:lumMod val="75000"/>
+              </a:schemeClr>
+            </a:lnRef>
+            <a:fillRef idx="1">
+              <a:schemeClr val="accent1"/>
+            </a:fillRef>
+            <a:effectRef idx="0">
+              <a:srgbClr val="FFFFFF"/>
+            </a:effectRef>
+            <a:fontRef idx="minor">
+              <a:schemeClr val="lt1"/>
+            </a:fontRef>
+          </p:style>
+          <p:txBody>
+            <a:bodyPr rtlCol="0" anchor="ctr"/>
+            <a:p>
+              <a:pPr algn="ctr"/>
+              <a:endParaRPr lang="zh-CN" altLang="en-US"/>
+            </a:p>
+          </p:txBody>
+        </p:sp>
+      </p:grpSp>
+      <p:sp>
+        <p:nvSpPr>
+          <p:cNvPr id="55" name="椭圆 54"/>
+          <p:cNvSpPr/>
+          <p:nvPr/>
+        </p:nvSpPr>
+        <p:spPr>
+          <a:xfrm>
+            <a:off x="285115" y="3758565"/>
+            <a:ext cx="1565275" cy="1566545"/>
+          </a:xfrm>
+          <a:prstGeom prst="ellipse">
+            <a:avLst/>
+          </a:prstGeom>
+          <a:noFill/>
+          <a:ln>
+            <a:solidFill>
+              <a:schemeClr val="tx1"/>
+            </a:solidFill>
+          </a:ln>
+          <a:extLst>
+            <a:ext uri="{909E8E84-426E-40DD-AFC4-6F175D3DCCD1}">
+              <a14:hiddenFill xmlns:a14="http://schemas.microsoft.com/office/drawing/2010/main">
+                <a:solidFill>
+                  <a:schemeClr val="accent1"/>
+                </a:solidFill>
+              </a14:hiddenFill>
+            </a:ext>
+          </a:extLst>
+        </p:spPr>
+        <p:style>
+          <a:lnRef idx="2">
+            <a:schemeClr val="accent1">
+              <a:lumMod val="75000"/>
+            </a:schemeClr>
+          </a:lnRef>
+          <a:fillRef idx="1">
+            <a:schemeClr val="accent1"/>
+          </a:fillRef>
+          <a:effectRef idx="0">
+            <a:srgbClr val="FFFFFF"/>
+          </a:effectRef>
+          <a:fontRef idx="minor">
+            <a:schemeClr val="lt1"/>
+          </a:fontRef>
+        </p:style>
+        <p:txBody>
+          <a:bodyPr rtlCol="0" anchor="ctr"/>
+          <a:p>
+            <a:pPr algn="ctr"/>
+            <a:endParaRPr lang="zh-CN" altLang="en-US"/>
+          </a:p>
+        </p:txBody>
+      </p:sp>
+      <p:sp>
+        <p:nvSpPr>
+          <p:cNvPr id="56" name="乘号 55"/>
+          <p:cNvSpPr/>
+          <p:nvPr/>
+        </p:nvSpPr>
+        <p:spPr>
+          <a:xfrm>
+            <a:off x="285115" y="3785235"/>
+            <a:ext cx="1565275" cy="1540510"/>
+          </a:xfrm>
+          <a:prstGeom prst="mathMultiply">
+            <a:avLst/>
+          </a:prstGeom>
+        </p:spPr>
+        <p:style>
+          <a:lnRef idx="2">
+            <a:schemeClr val="accent1">
+              <a:lumMod val="75000"/>
+            </a:schemeClr>
+          </a:lnRef>
+          <a:fillRef idx="1">
+            <a:schemeClr val="accent1"/>
+          </a:fillRef>
+          <a:effectRef idx="0">
+            <a:srgbClr val="FFFFFF"/>
+          </a:effectRef>
+          <a:fontRef idx="minor">
+            <a:schemeClr val="lt1"/>
+          </a:fontRef>
+        </p:style>
+        <p:txBody>
+          <a:bodyPr rtlCol="0" anchor="ctr"/>
+          <a:p>
+            <a:pPr algn="ctr"/>
+            <a:endParaRPr lang="zh-CN" altLang="en-US"/>
+          </a:p>
+        </p:txBody>
+      </p:sp>
+    </p:spTree>
+  </p:cSld>
+  <p:clrMapOvr>
+    <a:masterClrMapping/>
+  </p:clrMapOvr>
+</p:sld>
+</file>
+
 <file path=ppt/tags/tag1.xml><?xml version="1.0" encoding="utf-8"?>
 <p:tagLst xmlns:p="http://schemas.openxmlformats.org/presentationml/2006/main">
   <p:tag name="KSO_WM_DIAGRAM_VIRTUALLY_FRAME" val="{&quot;height&quot;:339,&quot;left&quot;:175,&quot;top&quot;:100.5,&quot;width&quot;:610}"/>

--- a/assets/Screen_UI.pptx
+++ b/assets/Screen_UI.pptx
@@ -12,6 +12,7 @@
     <p:sldId id="257" r:id="rId5"/>
     <p:sldId id="258" r:id="rId6"/>
     <p:sldId id="259" r:id="rId7"/>
+    <p:sldId id="260" r:id="rId8"/>
   </p:sldIdLst>
   <p:sldSz cx="12192000" cy="6858000"/>
   <p:notesSz cx="6858000" cy="9144000"/>
@@ -587,6 +588,54 @@
 </file>
 
 <file path=ppt/notesSlides/notesSlide3.xml><?xml version="1.0" encoding="utf-8"?>
+<p:notes xmlns:a="http://schemas.openxmlformats.org/drawingml/2006/main" xmlns:r="http://schemas.openxmlformats.org/officeDocument/2006/relationships" xmlns:p="http://schemas.openxmlformats.org/presentationml/2006/main">
+  <p:cSld>
+    <p:spTree>
+      <p:nvGrpSpPr>
+        <p:cNvPr id="1" name=""/>
+        <p:cNvGrpSpPr/>
+        <p:nvPr/>
+      </p:nvGrpSpPr>
+      <p:grpSpPr/>
+      <p:sp>
+        <p:nvSpPr>
+          <p:cNvPr id="2" name="幻灯片图像占位符 1"/>
+          <p:cNvSpPr>
+            <a:spLocks noGrp="1"/>
+          </p:cNvSpPr>
+          <p:nvPr>
+            <p:ph type="sldImg" idx="2"/>
+          </p:nvPr>
+        </p:nvSpPr>
+        <p:spPr/>
+      </p:sp>
+      <p:sp>
+        <p:nvSpPr>
+          <p:cNvPr id="3" name="文本占位符 2"/>
+          <p:cNvSpPr>
+            <a:spLocks noGrp="1"/>
+          </p:cNvSpPr>
+          <p:nvPr>
+            <p:ph type="body" idx="3"/>
+          </p:nvPr>
+        </p:nvSpPr>
+        <p:spPr/>
+        <p:txBody>
+          <a:bodyPr/>
+          <a:p>
+            <a:endParaRPr lang="zh-CN" altLang="en-US"/>
+          </a:p>
+        </p:txBody>
+      </p:sp>
+    </p:spTree>
+  </p:cSld>
+  <p:clrMapOvr>
+    <a:masterClrMapping/>
+  </p:clrMapOvr>
+</p:notes>
+</file>
+
+<file path=ppt/notesSlides/notesSlide4.xml><?xml version="1.0" encoding="utf-8"?>
 <p:notes xmlns:a="http://schemas.openxmlformats.org/drawingml/2006/main" xmlns:r="http://schemas.openxmlformats.org/officeDocument/2006/relationships" xmlns:p="http://schemas.openxmlformats.org/presentationml/2006/main">
   <p:cSld>
     <p:spTree>
@@ -11459,6 +11508,626 @@
 </p:sld>
 </file>
 
+<file path=ppt/slides/slide5.xml><?xml version="1.0" encoding="utf-8"?>
+<p:sld xmlns:a="http://schemas.openxmlformats.org/drawingml/2006/main" xmlns:r="http://schemas.openxmlformats.org/officeDocument/2006/relationships" xmlns:p="http://schemas.openxmlformats.org/presentationml/2006/main">
+  <p:cSld>
+    <p:spTree>
+      <p:nvGrpSpPr>
+        <p:cNvPr id="1" name=""/>
+        <p:cNvGrpSpPr/>
+        <p:nvPr/>
+      </p:nvGrpSpPr>
+      <p:grpSpPr/>
+      <p:sp>
+        <p:nvSpPr>
+          <p:cNvPr id="2" name="矩形 1"/>
+          <p:cNvSpPr/>
+          <p:nvPr/>
+        </p:nvSpPr>
+        <p:spPr>
+          <a:xfrm>
+            <a:off x="2453005" y="1276350"/>
+            <a:ext cx="7312025" cy="4305300"/>
+          </a:xfrm>
+          <a:prstGeom prst="rect">
+            <a:avLst/>
+          </a:prstGeom>
+          <a:solidFill>
+            <a:schemeClr val="accent2">
+              <a:lumMod val="60000"/>
+              <a:lumOff val="40000"/>
+            </a:schemeClr>
+          </a:solidFill>
+          <a:ln>
+            <a:noFill/>
+          </a:ln>
+        </p:spPr>
+        <p:style>
+          <a:lnRef idx="2">
+            <a:schemeClr val="accent1">
+              <a:shade val="15000"/>
+            </a:schemeClr>
+          </a:lnRef>
+          <a:fillRef idx="1">
+            <a:schemeClr val="accent1"/>
+          </a:fillRef>
+          <a:effectRef idx="0">
+            <a:schemeClr val="accent1"/>
+          </a:effectRef>
+          <a:fontRef idx="minor">
+            <a:schemeClr val="lt1"/>
+          </a:fontRef>
+        </p:style>
+        <p:txBody>
+          <a:bodyPr rtlCol="0" anchor="ctr"/>
+          <a:p>
+            <a:pPr algn="ctr"/>
+            <a:endParaRPr lang="zh-CN" altLang="en-US"/>
+          </a:p>
+        </p:txBody>
+      </p:sp>
+      <p:sp>
+        <p:nvSpPr>
+          <p:cNvPr id="3" name="文本框 2"/>
+          <p:cNvSpPr txBox="1"/>
+          <p:nvPr/>
+        </p:nvSpPr>
+        <p:spPr>
+          <a:xfrm>
+            <a:off x="4655503" y="1570990"/>
+            <a:ext cx="2907030" cy="460375"/>
+          </a:xfrm>
+          <a:prstGeom prst="rect">
+            <a:avLst/>
+          </a:prstGeom>
+          <a:noFill/>
+        </p:spPr>
+        <p:txBody>
+          <a:bodyPr wrap="square" rtlCol="0">
+            <a:spAutoFit/>
+          </a:bodyPr>
+          <a:p>
+            <a:r>
+              <a:rPr lang="zh-CN" altLang="en-US" sz="2400" b="1"/>
+              <a:t>实验</a:t>
+            </a:r>
+            <a:r>
+              <a:rPr lang="en-US" altLang="zh-CN" sz="2400" b="1"/>
+              <a:t>3 </a:t>
+            </a:r>
+            <a:r>
+              <a:rPr lang="zh-CN" altLang="en-US" sz="2400" b="1"/>
+              <a:t>火焰检测电路</a:t>
+            </a:r>
+            <a:endParaRPr lang="zh-CN" altLang="en-US" sz="2400" b="1"/>
+          </a:p>
+        </p:txBody>
+      </p:sp>
+      <p:sp>
+        <p:nvSpPr>
+          <p:cNvPr id="35" name="圆角矩形 34"/>
+          <p:cNvSpPr/>
+          <p:nvPr/>
+        </p:nvSpPr>
+        <p:spPr>
+          <a:xfrm>
+            <a:off x="2837815" y="2790825"/>
+            <a:ext cx="1565275" cy="1566545"/>
+          </a:xfrm>
+          <a:prstGeom prst="roundRect">
+            <a:avLst/>
+          </a:prstGeom>
+          <a:ln>
+            <a:solidFill>
+              <a:schemeClr val="tx1"/>
+            </a:solidFill>
+          </a:ln>
+        </p:spPr>
+        <p:style>
+          <a:lnRef idx="2">
+            <a:schemeClr val="accent1">
+              <a:lumMod val="75000"/>
+            </a:schemeClr>
+          </a:lnRef>
+          <a:fillRef idx="1">
+            <a:schemeClr val="accent1"/>
+          </a:fillRef>
+          <a:effectRef idx="0">
+            <a:srgbClr val="FFFFFF"/>
+          </a:effectRef>
+          <a:fontRef idx="minor">
+            <a:schemeClr val="lt1"/>
+          </a:fontRef>
+        </p:style>
+        <p:txBody>
+          <a:bodyPr rtlCol="0" anchor="ctr"/>
+          <a:p>
+            <a:pPr algn="ctr"/>
+            <a:endParaRPr lang="zh-CN" altLang="en-US"/>
+          </a:p>
+        </p:txBody>
+      </p:sp>
+      <p:sp>
+        <p:nvSpPr>
+          <p:cNvPr id="38" name="圆角矩形 37"/>
+          <p:cNvSpPr/>
+          <p:nvPr/>
+        </p:nvSpPr>
+        <p:spPr>
+          <a:xfrm>
+            <a:off x="2837815" y="4430395"/>
+            <a:ext cx="1564640" cy="437515"/>
+          </a:xfrm>
+          <a:prstGeom prst="roundRect">
+            <a:avLst/>
+          </a:prstGeom>
+          <a:solidFill>
+            <a:schemeClr val="accent2"/>
+          </a:solidFill>
+          <a:ln>
+            <a:noFill/>
+          </a:ln>
+        </p:spPr>
+        <p:style>
+          <a:lnRef idx="2">
+            <a:schemeClr val="accent1">
+              <a:lumMod val="75000"/>
+            </a:schemeClr>
+          </a:lnRef>
+          <a:fillRef idx="1">
+            <a:schemeClr val="accent1"/>
+          </a:fillRef>
+          <a:effectRef idx="0">
+            <a:srgbClr val="FFFFFF"/>
+          </a:effectRef>
+          <a:fontRef idx="minor">
+            <a:schemeClr val="lt1"/>
+          </a:fontRef>
+        </p:style>
+        <p:txBody>
+          <a:bodyPr rtlCol="0" anchor="ctr"/>
+          <a:p>
+            <a:pPr algn="ctr"/>
+            <a:r>
+              <a:rPr lang="zh-CN" altLang="en-US" b="1"/>
+              <a:t>起火标志</a:t>
+            </a:r>
+            <a:endParaRPr lang="zh-CN" altLang="en-US" b="1"/>
+          </a:p>
+        </p:txBody>
+      </p:sp>
+      <p:sp>
+        <p:nvSpPr>
+          <p:cNvPr id="39" name="圆角矩形 38"/>
+          <p:cNvSpPr/>
+          <p:nvPr/>
+        </p:nvSpPr>
+        <p:spPr>
+          <a:xfrm>
+            <a:off x="7145655" y="2031365"/>
+            <a:ext cx="2298065" cy="714375"/>
+          </a:xfrm>
+          <a:prstGeom prst="roundRect">
+            <a:avLst/>
+          </a:prstGeom>
+          <a:solidFill>
+            <a:schemeClr val="accent2"/>
+          </a:solidFill>
+          <a:ln>
+            <a:noFill/>
+          </a:ln>
+        </p:spPr>
+        <p:style>
+          <a:lnRef idx="2">
+            <a:schemeClr val="accent1">
+              <a:lumMod val="75000"/>
+            </a:schemeClr>
+          </a:lnRef>
+          <a:fillRef idx="1">
+            <a:schemeClr val="accent1"/>
+          </a:fillRef>
+          <a:effectRef idx="0">
+            <a:srgbClr val="FFFFFF"/>
+          </a:effectRef>
+          <a:fontRef idx="minor">
+            <a:schemeClr val="lt1"/>
+          </a:fontRef>
+        </p:style>
+        <p:txBody>
+          <a:bodyPr rtlCol="0" anchor="ctr"/>
+          <a:p>
+            <a:pPr algn="ctr"/>
+            <a:r>
+              <a:rPr lang="zh-CN" altLang="en-US" b="1"/>
+              <a:t>饶欣瑶</a:t>
+            </a:r>
+            <a:r>
+              <a:rPr lang="en-US" altLang="zh-CN" b="1"/>
+              <a:t>2022302039</a:t>
+            </a:r>
+            <a:endParaRPr lang="en-US" altLang="zh-CN" b="1"/>
+          </a:p>
+          <a:p>
+            <a:pPr algn="ctr"/>
+            <a:r>
+              <a:rPr lang="zh-CN" altLang="en-US" b="1"/>
+              <a:t>杨俊杰</a:t>
+            </a:r>
+            <a:r>
+              <a:rPr lang="en-US" altLang="zh-CN" b="1"/>
+              <a:t>2022302240</a:t>
+            </a:r>
+            <a:endParaRPr lang="en-US" altLang="zh-CN" b="1"/>
+          </a:p>
+        </p:txBody>
+      </p:sp>
+      <p:sp>
+        <p:nvSpPr>
+          <p:cNvPr id="41" name="椭圆 40"/>
+          <p:cNvSpPr/>
+          <p:nvPr/>
+        </p:nvSpPr>
+        <p:spPr>
+          <a:xfrm>
+            <a:off x="5610860" y="4645025"/>
+            <a:ext cx="666750" cy="680085"/>
+          </a:xfrm>
+          <a:prstGeom prst="ellipse">
+            <a:avLst/>
+          </a:prstGeom>
+          <a:ln>
+            <a:solidFill>
+              <a:schemeClr val="accent1">
+                <a:lumMod val="60000"/>
+                <a:lumOff val="40000"/>
+              </a:schemeClr>
+            </a:solidFill>
+          </a:ln>
+        </p:spPr>
+        <p:style>
+          <a:lnRef idx="2">
+            <a:schemeClr val="accent1">
+              <a:lumMod val="75000"/>
+            </a:schemeClr>
+          </a:lnRef>
+          <a:fillRef idx="1">
+            <a:schemeClr val="accent1"/>
+          </a:fillRef>
+          <a:effectRef idx="0">
+            <a:srgbClr val="FFFFFF"/>
+          </a:effectRef>
+          <a:fontRef idx="minor">
+            <a:schemeClr val="lt1"/>
+          </a:fontRef>
+        </p:style>
+        <p:txBody>
+          <a:bodyPr rtlCol="0" anchor="ctr"/>
+          <a:p>
+            <a:pPr algn="ctr"/>
+            <a:r>
+              <a:rPr lang="zh-CN" altLang="en-US" sz="2000" b="1"/>
+              <a:t>加</a:t>
+            </a:r>
+            <a:endParaRPr lang="zh-CN" altLang="en-US" sz="2000" b="1"/>
+          </a:p>
+        </p:txBody>
+      </p:sp>
+      <p:sp>
+        <p:nvSpPr>
+          <p:cNvPr id="43" name="椭圆 42"/>
+          <p:cNvSpPr/>
+          <p:nvPr/>
+        </p:nvSpPr>
+        <p:spPr>
+          <a:xfrm>
+            <a:off x="7774305" y="4645025"/>
+            <a:ext cx="666750" cy="680085"/>
+          </a:xfrm>
+          <a:prstGeom prst="ellipse">
+            <a:avLst/>
+          </a:prstGeom>
+          <a:ln>
+            <a:solidFill>
+              <a:schemeClr val="accent1">
+                <a:lumMod val="60000"/>
+                <a:lumOff val="40000"/>
+              </a:schemeClr>
+            </a:solidFill>
+          </a:ln>
+        </p:spPr>
+        <p:style>
+          <a:lnRef idx="2">
+            <a:schemeClr val="accent1">
+              <a:lumMod val="75000"/>
+            </a:schemeClr>
+          </a:lnRef>
+          <a:fillRef idx="1">
+            <a:schemeClr val="accent1"/>
+          </a:fillRef>
+          <a:effectRef idx="0">
+            <a:srgbClr val="FFFFFF"/>
+          </a:effectRef>
+          <a:fontRef idx="minor">
+            <a:schemeClr val="lt1"/>
+          </a:fontRef>
+        </p:style>
+        <p:txBody>
+          <a:bodyPr rtlCol="0" anchor="ctr"/>
+          <a:p>
+            <a:pPr algn="ctr"/>
+            <a:r>
+              <a:rPr lang="zh-CN" altLang="en-US" sz="2000" b="1"/>
+              <a:t>减</a:t>
+            </a:r>
+            <a:endParaRPr lang="zh-CN" altLang="en-US" sz="2000" b="1"/>
+          </a:p>
+        </p:txBody>
+      </p:sp>
+      <p:sp>
+        <p:nvSpPr>
+          <p:cNvPr id="44" name="圆角矩形 43"/>
+          <p:cNvSpPr/>
+          <p:nvPr/>
+        </p:nvSpPr>
+        <p:spPr>
+          <a:xfrm>
+            <a:off x="4655820" y="2790825"/>
+            <a:ext cx="4787900" cy="1809115"/>
+          </a:xfrm>
+          <a:prstGeom prst="roundRect">
+            <a:avLst/>
+          </a:prstGeom>
+          <a:ln>
+            <a:solidFill>
+              <a:schemeClr val="tx1"/>
+            </a:solidFill>
+          </a:ln>
+        </p:spPr>
+        <p:style>
+          <a:lnRef idx="2">
+            <a:schemeClr val="accent1">
+              <a:lumMod val="75000"/>
+            </a:schemeClr>
+          </a:lnRef>
+          <a:fillRef idx="1">
+            <a:schemeClr val="accent1"/>
+          </a:fillRef>
+          <a:effectRef idx="0">
+            <a:srgbClr val="FFFFFF"/>
+          </a:effectRef>
+          <a:fontRef idx="minor">
+            <a:schemeClr val="lt1"/>
+          </a:fontRef>
+        </p:style>
+        <p:txBody>
+          <a:bodyPr rtlCol="0" anchor="ctr"/>
+          <a:p>
+            <a:pPr algn="l"/>
+            <a:r>
+              <a:rPr lang="zh-CN" altLang="en-US" sz="3600" b="1"/>
+              <a:t>起火的阈值：</a:t>
+            </a:r>
+            <a:r>
+              <a:rPr lang="en-US" altLang="zh-CN" sz="3600" b="1"/>
+              <a:t>         </a:t>
+            </a:r>
+            <a:r>
+              <a:rPr lang="zh-CN" altLang="en-US" sz="3600" b="1"/>
+              <a:t>级</a:t>
+            </a:r>
+            <a:endParaRPr lang="en-US" altLang="zh-CN" sz="3600" b="1"/>
+          </a:p>
+          <a:p>
+            <a:pPr algn="l"/>
+            <a:r>
+              <a:rPr lang="zh-CN" altLang="en-US" sz="3600" b="1"/>
+              <a:t>电位器阻值：</a:t>
+            </a:r>
+            <a:r>
+              <a:rPr lang="en-US" altLang="zh-CN" sz="3600" b="1"/>
+              <a:t>         </a:t>
+            </a:r>
+            <a:r>
+              <a:rPr lang="zh-CN" altLang="en-US" sz="3600" b="1"/>
+              <a:t>级</a:t>
+            </a:r>
+            <a:endParaRPr lang="zh-CN" altLang="en-US" sz="3600" b="1"/>
+          </a:p>
+        </p:txBody>
+      </p:sp>
+      <p:grpSp>
+        <p:nvGrpSpPr>
+          <p:cNvPr id="52" name="组合 51"/>
+          <p:cNvGrpSpPr/>
+          <p:nvPr/>
+        </p:nvGrpSpPr>
+        <p:grpSpPr>
+          <a:xfrm>
+            <a:off x="285115" y="1670685"/>
+            <a:ext cx="1565275" cy="1566545"/>
+            <a:chOff x="763" y="3199"/>
+            <a:chExt cx="2465" cy="2467"/>
+          </a:xfrm>
+        </p:grpSpPr>
+        <p:pic>
+          <p:nvPicPr>
+            <p:cNvPr id="36" name="图片 35"/>
+            <p:cNvPicPr/>
+            <p:nvPr/>
+          </p:nvPicPr>
+          <p:blipFill>
+            <a:blip r:embed="rId1"/>
+            <a:srcRect l="24620" t="4898" r="21907" b="9426"/>
+            <a:stretch>
+              <a:fillRect/>
+            </a:stretch>
+          </p:blipFill>
+          <p:spPr>
+            <a:xfrm>
+              <a:off x="1077" y="3222"/>
+              <a:ext cx="1836" cy="2215"/>
+            </a:xfrm>
+            <a:prstGeom prst="rect">
+              <a:avLst/>
+            </a:prstGeom>
+          </p:spPr>
+        </p:pic>
+        <p:sp>
+          <p:nvSpPr>
+            <p:cNvPr id="51" name="椭圆 50"/>
+            <p:cNvSpPr/>
+            <p:nvPr/>
+          </p:nvSpPr>
+          <p:spPr>
+            <a:xfrm>
+              <a:off x="763" y="3199"/>
+              <a:ext cx="2465" cy="2467"/>
+            </a:xfrm>
+            <a:prstGeom prst="ellipse">
+              <a:avLst/>
+            </a:prstGeom>
+            <a:noFill/>
+            <a:ln>
+              <a:solidFill>
+                <a:schemeClr val="tx1"/>
+              </a:solidFill>
+            </a:ln>
+            <a:extLst>
+              <a:ext uri="{909E8E84-426E-40DD-AFC4-6F175D3DCCD1}">
+                <a14:hiddenFill xmlns:a14="http://schemas.microsoft.com/office/drawing/2010/main">
+                  <a:solidFill>
+                    <a:schemeClr val="accent1"/>
+                  </a:solidFill>
+                </a14:hiddenFill>
+              </a:ext>
+            </a:extLst>
+          </p:spPr>
+          <p:style>
+            <a:lnRef idx="2">
+              <a:schemeClr val="accent1">
+                <a:lumMod val="75000"/>
+              </a:schemeClr>
+            </a:lnRef>
+            <a:fillRef idx="1">
+              <a:schemeClr val="accent1"/>
+            </a:fillRef>
+            <a:effectRef idx="0">
+              <a:srgbClr val="FFFFFF"/>
+            </a:effectRef>
+            <a:fontRef idx="minor">
+              <a:schemeClr val="lt1"/>
+            </a:fontRef>
+          </p:style>
+          <p:txBody>
+            <a:bodyPr rtlCol="0" anchor="ctr"/>
+            <a:p>
+              <a:pPr algn="ctr"/>
+              <a:endParaRPr lang="zh-CN" altLang="en-US"/>
+            </a:p>
+          </p:txBody>
+        </p:sp>
+      </p:grpSp>
+      <p:sp>
+        <p:nvSpPr>
+          <p:cNvPr id="55" name="椭圆 54"/>
+          <p:cNvSpPr/>
+          <p:nvPr/>
+        </p:nvSpPr>
+        <p:spPr>
+          <a:xfrm>
+            <a:off x="285115" y="3758565"/>
+            <a:ext cx="1565275" cy="1566545"/>
+          </a:xfrm>
+          <a:prstGeom prst="ellipse">
+            <a:avLst/>
+          </a:prstGeom>
+          <a:noFill/>
+          <a:ln>
+            <a:solidFill>
+              <a:schemeClr val="tx1"/>
+            </a:solidFill>
+          </a:ln>
+          <a:extLst>
+            <a:ext uri="{909E8E84-426E-40DD-AFC4-6F175D3DCCD1}">
+              <a14:hiddenFill xmlns:a14="http://schemas.microsoft.com/office/drawing/2010/main">
+                <a:solidFill>
+                  <a:schemeClr val="accent1"/>
+                </a:solidFill>
+              </a14:hiddenFill>
+            </a:ext>
+          </a:extLst>
+        </p:spPr>
+        <p:style>
+          <a:lnRef idx="2">
+            <a:schemeClr val="accent1">
+              <a:lumMod val="75000"/>
+            </a:schemeClr>
+          </a:lnRef>
+          <a:fillRef idx="1">
+            <a:schemeClr val="accent1"/>
+          </a:fillRef>
+          <a:effectRef idx="0">
+            <a:srgbClr val="FFFFFF"/>
+          </a:effectRef>
+          <a:fontRef idx="minor">
+            <a:schemeClr val="lt1"/>
+          </a:fontRef>
+        </p:style>
+        <p:txBody>
+          <a:bodyPr rtlCol="0" anchor="ctr"/>
+          <a:p>
+            <a:pPr algn="ctr"/>
+            <a:endParaRPr lang="zh-CN" altLang="en-US"/>
+          </a:p>
+        </p:txBody>
+      </p:sp>
+      <p:sp>
+        <p:nvSpPr>
+          <p:cNvPr id="56" name="乘号 55"/>
+          <p:cNvSpPr/>
+          <p:nvPr/>
+        </p:nvSpPr>
+        <p:spPr>
+          <a:xfrm>
+            <a:off x="285115" y="3785235"/>
+            <a:ext cx="1565275" cy="1540510"/>
+          </a:xfrm>
+          <a:prstGeom prst="mathMultiply">
+            <a:avLst/>
+          </a:prstGeom>
+        </p:spPr>
+        <p:style>
+          <a:lnRef idx="2">
+            <a:schemeClr val="accent1">
+              <a:lumMod val="75000"/>
+            </a:schemeClr>
+          </a:lnRef>
+          <a:fillRef idx="1">
+            <a:schemeClr val="accent1"/>
+          </a:fillRef>
+          <a:effectRef idx="0">
+            <a:srgbClr val="FFFFFF"/>
+          </a:effectRef>
+          <a:fontRef idx="minor">
+            <a:schemeClr val="lt1"/>
+          </a:fontRef>
+        </p:style>
+        <p:txBody>
+          <a:bodyPr rtlCol="0" anchor="ctr"/>
+          <a:p>
+            <a:pPr algn="ctr"/>
+            <a:endParaRPr lang="zh-CN" altLang="en-US"/>
+          </a:p>
+        </p:txBody>
+      </p:sp>
+    </p:spTree>
+  </p:cSld>
+  <p:clrMapOvr>
+    <a:masterClrMapping/>
+  </p:clrMapOvr>
+</p:sld>
+</file>
+
 <file path=ppt/tags/tag1.xml><?xml version="1.0" encoding="utf-8"?>
 <p:tagLst xmlns:p="http://schemas.openxmlformats.org/presentationml/2006/main">
   <p:tag name="KSO_WM_DIAGRAM_VIRTUALLY_FRAME" val="{&quot;height&quot;:339,&quot;left&quot;:175,&quot;top&quot;:100.5,&quot;width&quot;:610}"/>
